--- a/presentation/WSMF_presentation.pptx
+++ b/presentation/WSMF_presentation.pptx
@@ -15,16 +15,16 @@
     <p:sldId id="256" r:id="rId3"/>
     <p:sldId id="274" r:id="rId4"/>
     <p:sldId id="284" r:id="rId5"/>
-    <p:sldId id="260" r:id="rId6"/>
-    <p:sldId id="263" r:id="rId7"/>
-    <p:sldId id="258" r:id="rId8"/>
-    <p:sldId id="261" r:id="rId9"/>
-    <p:sldId id="279" r:id="rId10"/>
-    <p:sldId id="285" r:id="rId11"/>
-    <p:sldId id="286" r:id="rId12"/>
-    <p:sldId id="287" r:id="rId13"/>
-    <p:sldId id="288" r:id="rId14"/>
-    <p:sldId id="265" r:id="rId15"/>
+    <p:sldId id="292" r:id="rId6"/>
+    <p:sldId id="260" r:id="rId7"/>
+    <p:sldId id="263" r:id="rId8"/>
+    <p:sldId id="258" r:id="rId9"/>
+    <p:sldId id="261" r:id="rId10"/>
+    <p:sldId id="279" r:id="rId11"/>
+    <p:sldId id="285" r:id="rId12"/>
+    <p:sldId id="286" r:id="rId13"/>
+    <p:sldId id="287" r:id="rId14"/>
+    <p:sldId id="288" r:id="rId15"/>
     <p:sldId id="267" r:id="rId16"/>
     <p:sldId id="269" r:id="rId17"/>
     <p:sldId id="270" r:id="rId18"/>
@@ -188,7 +188,7 @@
 <file path=ppt/revisionInfo.xml><?xml version="1.0" encoding="utf-8"?>
 <p1510:revInfo xmlns:a="http://schemas.openxmlformats.org/drawingml/2006/main" xmlns:r="http://schemas.openxmlformats.org/officeDocument/2006/relationships" xmlns:p1510="http://schemas.microsoft.com/office/powerpoint/2015/10/main">
   <p1510:revLst>
-    <p1510:client id="{C019CBC5-805D-4825-828A-A185BC6996E2}" v="14" dt="2023-06-14T16:39:04.675"/>
+    <p1510:client id="{C019CBC5-805D-4825-828A-A185BC6996E2}" v="18" dt="2023-06-15T10:42:50.144"/>
   </p1510:revLst>
 </p1510:revInfo>
 </file>
@@ -198,26 +198,34 @@
   <pc:docChgLst>
     <pc:chgData name="Maria Szawerna" userId="27f43607ae8ba673" providerId="LiveId" clId="{C019CBC5-805D-4825-828A-A185BC6996E2}"/>
     <pc:docChg chg="undo custSel addSld delSld modSld sldOrd">
-      <pc:chgData name="Maria Szawerna" userId="27f43607ae8ba673" providerId="LiveId" clId="{C019CBC5-805D-4825-828A-A185BC6996E2}" dt="2023-06-14T16:40:00.405" v="2138" actId="47"/>
+      <pc:chgData name="Maria Szawerna" userId="27f43607ae8ba673" providerId="LiveId" clId="{C019CBC5-805D-4825-828A-A185BC6996E2}" dt="2023-06-15T21:06:59.931" v="2572" actId="6549"/>
       <pc:docMkLst>
         <pc:docMk/>
       </pc:docMkLst>
-      <pc:sldChg chg="modSp mod">
-        <pc:chgData name="Maria Szawerna" userId="27f43607ae8ba673" providerId="LiveId" clId="{C019CBC5-805D-4825-828A-A185BC6996E2}" dt="2023-06-14T15:58:55.834" v="16" actId="403"/>
+      <pc:sldChg chg="addSp delSp modSp mod">
+        <pc:chgData name="Maria Szawerna" userId="27f43607ae8ba673" providerId="LiveId" clId="{C019CBC5-805D-4825-828A-A185BC6996E2}" dt="2023-06-15T10:40:42.752" v="2309" actId="14100"/>
         <pc:sldMkLst>
           <pc:docMk/>
           <pc:sldMk cId="2155505027" sldId="256"/>
         </pc:sldMkLst>
         <pc:spChg chg="mod">
-          <ac:chgData name="Maria Szawerna" userId="27f43607ae8ba673" providerId="LiveId" clId="{C019CBC5-805D-4825-828A-A185BC6996E2}" dt="2023-06-14T15:58:55.834" v="16" actId="403"/>
+          <ac:chgData name="Maria Szawerna" userId="27f43607ae8ba673" providerId="LiveId" clId="{C019CBC5-805D-4825-828A-A185BC6996E2}" dt="2023-06-15T10:37:20.684" v="2308" actId="403"/>
           <ac:spMkLst>
             <pc:docMk/>
             <pc:sldMk cId="2155505027" sldId="256"/>
             <ac:spMk id="2" creationId="{83ECB6FE-7F94-4BD4-B425-3B2AAA28CDFB}"/>
           </ac:spMkLst>
         </pc:spChg>
+        <pc:spChg chg="add del mod">
+          <ac:chgData name="Maria Szawerna" userId="27f43607ae8ba673" providerId="LiveId" clId="{C019CBC5-805D-4825-828A-A185BC6996E2}" dt="2023-06-15T09:55:43.863" v="2292" actId="478"/>
+          <ac:spMkLst>
+            <pc:docMk/>
+            <pc:sldMk cId="2155505027" sldId="256"/>
+            <ac:spMk id="3" creationId="{010CB53C-12BC-F0AA-8497-F0A619990B31}"/>
+          </ac:spMkLst>
+        </pc:spChg>
         <pc:spChg chg="mod">
-          <ac:chgData name="Maria Szawerna" userId="27f43607ae8ba673" providerId="LiveId" clId="{C019CBC5-805D-4825-828A-A185BC6996E2}" dt="2023-06-14T15:58:34.257" v="2" actId="20577"/>
+          <ac:chgData name="Maria Szawerna" userId="27f43607ae8ba673" providerId="LiveId" clId="{C019CBC5-805D-4825-828A-A185BC6996E2}" dt="2023-06-15T10:40:42.752" v="2309" actId="14100"/>
           <ac:spMkLst>
             <pc:docMk/>
             <pc:sldMk cId="2155505027" sldId="256"/>
@@ -271,7 +279,7 @@
         </pc:sldMkLst>
       </pc:sldChg>
       <pc:sldChg chg="modSp mod modClrScheme chgLayout">
-        <pc:chgData name="Maria Szawerna" userId="27f43607ae8ba673" providerId="LiveId" clId="{C019CBC5-805D-4825-828A-A185BC6996E2}" dt="2023-06-14T16:04:09.855" v="279" actId="700"/>
+        <pc:chgData name="Maria Szawerna" userId="27f43607ae8ba673" providerId="LiveId" clId="{C019CBC5-805D-4825-828A-A185BC6996E2}" dt="2023-06-15T21:02:42.311" v="2426" actId="20577"/>
         <pc:sldMkLst>
           <pc:docMk/>
           <pc:sldMk cId="3310944284" sldId="260"/>
@@ -285,7 +293,7 @@
           </ac:spMkLst>
         </pc:spChg>
         <pc:spChg chg="mod ord">
-          <ac:chgData name="Maria Szawerna" userId="27f43607ae8ba673" providerId="LiveId" clId="{C019CBC5-805D-4825-828A-A185BC6996E2}" dt="2023-06-14T16:04:09.855" v="279" actId="700"/>
+          <ac:chgData name="Maria Szawerna" userId="27f43607ae8ba673" providerId="LiveId" clId="{C019CBC5-805D-4825-828A-A185BC6996E2}" dt="2023-06-15T21:02:42.311" v="2426" actId="20577"/>
           <ac:spMkLst>
             <pc:docMk/>
             <pc:sldMk cId="3310944284" sldId="260"/>
@@ -302,13 +310,13 @@
         </pc:picChg>
       </pc:sldChg>
       <pc:sldChg chg="delSp modSp mod">
-        <pc:chgData name="Maria Szawerna" userId="27f43607ae8ba673" providerId="LiveId" clId="{C019CBC5-805D-4825-828A-A185BC6996E2}" dt="2023-06-14T16:09:05.741" v="591" actId="20577"/>
+        <pc:chgData name="Maria Szawerna" userId="27f43607ae8ba673" providerId="LiveId" clId="{C019CBC5-805D-4825-828A-A185BC6996E2}" dt="2023-06-15T21:06:59.931" v="2572" actId="6549"/>
         <pc:sldMkLst>
           <pc:docMk/>
           <pc:sldMk cId="2757122120" sldId="261"/>
         </pc:sldMkLst>
         <pc:spChg chg="mod">
-          <ac:chgData name="Maria Szawerna" userId="27f43607ae8ba673" providerId="LiveId" clId="{C019CBC5-805D-4825-828A-A185BC6996E2}" dt="2023-06-14T16:07:40.497" v="493" actId="20577"/>
+          <ac:chgData name="Maria Szawerna" userId="27f43607ae8ba673" providerId="LiveId" clId="{C019CBC5-805D-4825-828A-A185BC6996E2}" dt="2023-06-15T21:06:59.931" v="2572" actId="6549"/>
           <ac:spMkLst>
             <pc:docMk/>
             <pc:sldMk cId="2757122120" sldId="261"/>
@@ -316,7 +324,7 @@
           </ac:spMkLst>
         </pc:spChg>
         <pc:spChg chg="mod">
-          <ac:chgData name="Maria Szawerna" userId="27f43607ae8ba673" providerId="LiveId" clId="{C019CBC5-805D-4825-828A-A185BC6996E2}" dt="2023-06-14T16:09:05.741" v="591" actId="20577"/>
+          <ac:chgData name="Maria Szawerna" userId="27f43607ae8ba673" providerId="LiveId" clId="{C019CBC5-805D-4825-828A-A185BC6996E2}" dt="2023-06-15T21:03:19.204" v="2481" actId="20577"/>
           <ac:spMkLst>
             <pc:docMk/>
             <pc:sldMk cId="2757122120" sldId="261"/>
@@ -340,6 +348,13 @@
         </pc:sldMkLst>
       </pc:sldChg>
       <pc:sldChg chg="del">
+        <pc:chgData name="Maria Szawerna" userId="27f43607ae8ba673" providerId="LiveId" clId="{C019CBC5-805D-4825-828A-A185BC6996E2}" dt="2023-06-15T21:03:26.957" v="2482" actId="47"/>
+        <pc:sldMkLst>
+          <pc:docMk/>
+          <pc:sldMk cId="3551078558" sldId="265"/>
+        </pc:sldMkLst>
+      </pc:sldChg>
+      <pc:sldChg chg="del">
         <pc:chgData name="Maria Szawerna" userId="27f43607ae8ba673" providerId="LiveId" clId="{C019CBC5-805D-4825-828A-A185BC6996E2}" dt="2023-06-14T16:09:54.914" v="604" actId="47"/>
         <pc:sldMkLst>
           <pc:docMk/>
@@ -347,13 +362,13 @@
         </pc:sldMkLst>
       </pc:sldChg>
       <pc:sldChg chg="modSp mod">
-        <pc:chgData name="Maria Szawerna" userId="27f43607ae8ba673" providerId="LiveId" clId="{C019CBC5-805D-4825-828A-A185BC6996E2}" dt="2023-06-14T16:28:31.614" v="1686" actId="20577"/>
+        <pc:chgData name="Maria Szawerna" userId="27f43607ae8ba673" providerId="LiveId" clId="{C019CBC5-805D-4825-828A-A185BC6996E2}" dt="2023-06-15T21:03:49.017" v="2571" actId="20577"/>
         <pc:sldMkLst>
           <pc:docMk/>
           <pc:sldMk cId="1583331895" sldId="267"/>
         </pc:sldMkLst>
         <pc:spChg chg="mod">
-          <ac:chgData name="Maria Szawerna" userId="27f43607ae8ba673" providerId="LiveId" clId="{C019CBC5-805D-4825-828A-A185BC6996E2}" dt="2023-06-14T16:28:31.614" v="1686" actId="20577"/>
+          <ac:chgData name="Maria Szawerna" userId="27f43607ae8ba673" providerId="LiveId" clId="{C019CBC5-805D-4825-828A-A185BC6996E2}" dt="2023-06-15T21:03:49.017" v="2571" actId="20577"/>
           <ac:spMkLst>
             <pc:docMk/>
             <pc:sldMk cId="1583331895" sldId="267"/>
@@ -385,13 +400,13 @@
         </pc:spChg>
       </pc:sldChg>
       <pc:sldChg chg="modSp mod">
-        <pc:chgData name="Maria Szawerna" userId="27f43607ae8ba673" providerId="LiveId" clId="{C019CBC5-805D-4825-828A-A185BC6996E2}" dt="2023-06-14T16:31:42.020" v="2040" actId="14100"/>
+        <pc:chgData name="Maria Szawerna" userId="27f43607ae8ba673" providerId="LiveId" clId="{C019CBC5-805D-4825-828A-A185BC6996E2}" dt="2023-06-15T10:42:50.141" v="2333" actId="20577"/>
         <pc:sldMkLst>
           <pc:docMk/>
           <pc:sldMk cId="2655041373" sldId="270"/>
         </pc:sldMkLst>
         <pc:spChg chg="mod">
-          <ac:chgData name="Maria Szawerna" userId="27f43607ae8ba673" providerId="LiveId" clId="{C019CBC5-805D-4825-828A-A185BC6996E2}" dt="2023-06-14T16:31:42.020" v="2040" actId="14100"/>
+          <ac:chgData name="Maria Szawerna" userId="27f43607ae8ba673" providerId="LiveId" clId="{C019CBC5-805D-4825-828A-A185BC6996E2}" dt="2023-06-15T10:42:50.141" v="2333" actId="20577"/>
           <ac:spMkLst>
             <pc:docMk/>
             <pc:sldMk cId="2655041373" sldId="270"/>
@@ -408,7 +423,7 @@
         </pc:spChg>
       </pc:sldChg>
       <pc:sldChg chg="modSp mod">
-        <pc:chgData name="Maria Szawerna" userId="27f43607ae8ba673" providerId="LiveId" clId="{C019CBC5-805D-4825-828A-A185BC6996E2}" dt="2023-06-14T16:38:06.408" v="2089" actId="27636"/>
+        <pc:chgData name="Maria Szawerna" userId="27f43607ae8ba673" providerId="LiveId" clId="{C019CBC5-805D-4825-828A-A185BC6996E2}" dt="2023-06-15T10:41:33.142" v="2310" actId="1076"/>
         <pc:sldMkLst>
           <pc:docMk/>
           <pc:sldMk cId="4055392419" sldId="271"/>
@@ -419,6 +434,14 @@
             <pc:docMk/>
             <pc:sldMk cId="4055392419" sldId="271"/>
             <ac:spMk id="2" creationId="{C7026C2E-E4C0-836C-2EFF-8D70B2CC1435}"/>
+          </ac:spMkLst>
+        </pc:spChg>
+        <pc:spChg chg="mod">
+          <ac:chgData name="Maria Szawerna" userId="27f43607ae8ba673" providerId="LiveId" clId="{C019CBC5-805D-4825-828A-A185BC6996E2}" dt="2023-06-15T10:41:33.142" v="2310" actId="1076"/>
+          <ac:spMkLst>
+            <pc:docMk/>
+            <pc:sldMk cId="4055392419" sldId="271"/>
+            <ac:spMk id="3" creationId="{04FBC31E-7CE9-AA19-2027-BDCDC694F90D}"/>
           </ac:spMkLst>
         </pc:spChg>
       </pc:sldChg>
@@ -446,13 +469,13 @@
         </pc:spChg>
       </pc:sldChg>
       <pc:sldChg chg="modSp mod">
-        <pc:chgData name="Maria Szawerna" userId="27f43607ae8ba673" providerId="LiveId" clId="{C019CBC5-805D-4825-828A-A185BC6996E2}" dt="2023-06-14T16:00:33.490" v="130" actId="27636"/>
+        <pc:chgData name="Maria Szawerna" userId="27f43607ae8ba673" providerId="LiveId" clId="{C019CBC5-805D-4825-828A-A185BC6996E2}" dt="2023-06-15T21:01:29.939" v="2380" actId="27636"/>
         <pc:sldMkLst>
           <pc:docMk/>
           <pc:sldMk cId="4137443422" sldId="274"/>
         </pc:sldMkLst>
         <pc:spChg chg="mod">
-          <ac:chgData name="Maria Szawerna" userId="27f43607ae8ba673" providerId="LiveId" clId="{C019CBC5-805D-4825-828A-A185BC6996E2}" dt="2023-06-14T16:00:33.490" v="130" actId="27636"/>
+          <ac:chgData name="Maria Szawerna" userId="27f43607ae8ba673" providerId="LiveId" clId="{C019CBC5-805D-4825-828A-A185BC6996E2}" dt="2023-06-15T21:01:29.939" v="2380" actId="27636"/>
           <ac:spMkLst>
             <pc:docMk/>
             <pc:sldMk cId="4137443422" sldId="274"/>
@@ -596,7 +619,7 @@
         </pc:sldMkLst>
       </pc:sldChg>
       <pc:sldChg chg="addSp delSp modSp new mod modClrScheme chgLayout">
-        <pc:chgData name="Maria Szawerna" userId="27f43607ae8ba673" providerId="LiveId" clId="{C019CBC5-805D-4825-828A-A185BC6996E2}" dt="2023-06-14T16:04:14.477" v="281" actId="27636"/>
+        <pc:chgData name="Maria Szawerna" userId="27f43607ae8ba673" providerId="LiveId" clId="{C019CBC5-805D-4825-828A-A185BC6996E2}" dt="2023-06-15T21:02:06.673" v="2387" actId="15"/>
         <pc:sldMkLst>
           <pc:docMk/>
           <pc:sldMk cId="3654248738" sldId="284"/>
@@ -626,7 +649,7 @@
           </ac:spMkLst>
         </pc:spChg>
         <pc:spChg chg="add mod ord">
-          <ac:chgData name="Maria Szawerna" userId="27f43607ae8ba673" providerId="LiveId" clId="{C019CBC5-805D-4825-828A-A185BC6996E2}" dt="2023-06-14T16:04:14.477" v="281" actId="27636"/>
+          <ac:chgData name="Maria Szawerna" userId="27f43607ae8ba673" providerId="LiveId" clId="{C019CBC5-805D-4825-828A-A185BC6996E2}" dt="2023-06-15T21:02:06.673" v="2387" actId="15"/>
           <ac:spMkLst>
             <pc:docMk/>
             <pc:sldMk cId="3654248738" sldId="284"/>
@@ -818,6 +841,61 @@
             <ac:spMk id="3" creationId="{55F4148B-27C2-EFB3-0E9F-91E9B54C7733}"/>
           </ac:spMkLst>
         </pc:spChg>
+      </pc:sldChg>
+      <pc:sldChg chg="addSp delSp modSp new mod chgLayout">
+        <pc:chgData name="Maria Szawerna" userId="27f43607ae8ba673" providerId="LiveId" clId="{C019CBC5-805D-4825-828A-A185BC6996E2}" dt="2023-06-15T13:51:11.919" v="2378"/>
+        <pc:sldMkLst>
+          <pc:docMk/>
+          <pc:sldMk cId="2822621011" sldId="292"/>
+        </pc:sldMkLst>
+        <pc:spChg chg="del">
+          <ac:chgData name="Maria Szawerna" userId="27f43607ae8ba673" providerId="LiveId" clId="{C019CBC5-805D-4825-828A-A185BC6996E2}" dt="2023-06-15T13:49:49.627" v="2335" actId="700"/>
+          <ac:spMkLst>
+            <pc:docMk/>
+            <pc:sldMk cId="2822621011" sldId="292"/>
+            <ac:spMk id="2" creationId="{2C0B44D7-E2DC-665B-21BA-A08C17B2230F}"/>
+          </ac:spMkLst>
+        </pc:spChg>
+        <pc:spChg chg="del mod ord">
+          <ac:chgData name="Maria Szawerna" userId="27f43607ae8ba673" providerId="LiveId" clId="{C019CBC5-805D-4825-828A-A185BC6996E2}" dt="2023-06-15T13:49:49.627" v="2335" actId="700"/>
+          <ac:spMkLst>
+            <pc:docMk/>
+            <pc:sldMk cId="2822621011" sldId="292"/>
+            <ac:spMk id="3" creationId="{E5D9F967-661E-5CC5-C9EA-08CC7C96EB75}"/>
+          </ac:spMkLst>
+        </pc:spChg>
+        <pc:spChg chg="del mod ord">
+          <ac:chgData name="Maria Szawerna" userId="27f43607ae8ba673" providerId="LiveId" clId="{C019CBC5-805D-4825-828A-A185BC6996E2}" dt="2023-06-15T13:49:49.627" v="2335" actId="700"/>
+          <ac:spMkLst>
+            <pc:docMk/>
+            <pc:sldMk cId="2822621011" sldId="292"/>
+            <ac:spMk id="4" creationId="{1516B0C6-1EB2-7992-3615-0CFCB5581B7A}"/>
+          </ac:spMkLst>
+        </pc:spChg>
+        <pc:spChg chg="add mod ord">
+          <ac:chgData name="Maria Szawerna" userId="27f43607ae8ba673" providerId="LiveId" clId="{C019CBC5-805D-4825-828A-A185BC6996E2}" dt="2023-06-15T13:51:11.919" v="2378"/>
+          <ac:spMkLst>
+            <pc:docMk/>
+            <pc:sldMk cId="2822621011" sldId="292"/>
+            <ac:spMk id="5" creationId="{9B1EB912-AE27-DDE3-51AA-6593FBF32861}"/>
+          </ac:spMkLst>
+        </pc:spChg>
+        <pc:spChg chg="add mod ord">
+          <ac:chgData name="Maria Szawerna" userId="27f43607ae8ba673" providerId="LiveId" clId="{C019CBC5-805D-4825-828A-A185BC6996E2}" dt="2023-06-15T13:51:04.507" v="2377" actId="2711"/>
+          <ac:spMkLst>
+            <pc:docMk/>
+            <pc:sldMk cId="2822621011" sldId="292"/>
+            <ac:spMk id="6" creationId="{2912CA35-56BB-8621-1A17-E8D8FF2E8B44}"/>
+          </ac:spMkLst>
+        </pc:spChg>
+        <pc:picChg chg="add mod">
+          <ac:chgData name="Maria Szawerna" userId="27f43607ae8ba673" providerId="LiveId" clId="{C019CBC5-805D-4825-828A-A185BC6996E2}" dt="2023-06-15T13:49:57.804" v="2337" actId="1076"/>
+          <ac:picMkLst>
+            <pc:docMk/>
+            <pc:sldMk cId="2822621011" sldId="292"/>
+            <ac:picMk id="8" creationId="{4BD3757A-AE87-D7E3-0CBE-6CD8EB16B816}"/>
+          </ac:picMkLst>
+        </pc:picChg>
       </pc:sldChg>
     </pc:docChg>
   </pc:docChgLst>
@@ -2340,7 +2418,7 @@
           <a:p>
             <a:fld id="{1458F1B7-9674-7B4B-B65F-D26117F5FD28}" type="datetimeFigureOut">
               <a:rPr lang="sv-SE" smtClean="0"/>
-              <a:t>2023-06-14</a:t>
+              <a:t>2023-06-15</a:t>
             </a:fld>
             <a:endParaRPr lang="sv-SE"/>
           </a:p>
@@ -24914,7 +24992,7 @@
               </a14:hiddenLine>
             </a:ext>
             <a:ext uri="{FAA26D3D-D897-4be2-8F04-BA451C77F1D7}">
-              <ma14:placeholderFlag xmlns="" xmlns:ma14="http://schemas.microsoft.com/office/mac/drawingml/2011/main" val="1"/>
+              <ma14:placeholderFlag xmlns:ma14="http://schemas.microsoft.com/office/mac/drawingml/2011/main" xmlns="" val="1"/>
             </a:ext>
           </a:extLst>
         </p:spPr>
@@ -25952,7 +26030,7 @@
               </a14:hiddenLine>
             </a:ext>
             <a:ext uri="{FAA26D3D-D897-4be2-8F04-BA451C77F1D7}">
-              <ma14:placeholderFlag xmlns="" xmlns:ma14="http://schemas.microsoft.com/office/mac/drawingml/2011/main" val="1"/>
+              <ma14:placeholderFlag xmlns:ma14="http://schemas.microsoft.com/office/mac/drawingml/2011/main" xmlns="" val="1"/>
             </a:ext>
           </a:extLst>
         </p:spPr>
@@ -26755,9 +26833,83 @@
               <a:rPr lang="pl-PL" sz="2800" b="0" i="0" u="none" strike="noStrike" baseline="0" dirty="0">
                 <a:latin typeface="LiberationSansNarrow"/>
               </a:rPr>
-              <a:t>Maria Irena Szawerna</a:t>
-            </a:r>
-            <a:endParaRPr lang="en-GB" sz="6600" dirty="0"/>
+              <a:t>Maria Irena Szawern</a:t>
+            </a:r>
+            <a:r>
+              <a:rPr lang="sv-SE" sz="2800" b="0" i="0" u="none" strike="noStrike" baseline="0" dirty="0">
+                <a:latin typeface="LiberationSansNarrow"/>
+              </a:rPr>
+              <a:t>a</a:t>
+            </a:r>
+            <a:r>
+              <a:rPr lang="pl-PL" sz="2800" b="0" i="0" u="none" strike="noStrike" baseline="0" dirty="0">
+                <a:latin typeface="LiberationSansNarrow"/>
+              </a:rPr>
+              <a:t>,</a:t>
+            </a:r>
+            <a:br>
+              <a:rPr lang="pl-PL" sz="2000" b="0" i="0" u="none" strike="noStrike" baseline="0" dirty="0">
+                <a:latin typeface="LiberationSansNarrow"/>
+              </a:rPr>
+            </a:br>
+            <a:r>
+              <a:rPr lang="pl-PL" sz="1800" b="0" i="0" u="none" strike="noStrike" baseline="0" dirty="0">
+                <a:solidFill>
+                  <a:schemeClr val="tx1">
+                    <a:lumMod val="75000"/>
+                    <a:lumOff val="25000"/>
+                  </a:schemeClr>
+                </a:solidFill>
+                <a:latin typeface="LiberationSansNarrow"/>
+              </a:rPr>
+              <a:t>MA (</a:t>
+            </a:r>
+            <a:r>
+              <a:rPr lang="sv-SE" sz="1800" b="0" i="0" u="none" strike="noStrike" baseline="0" dirty="0">
+                <a:solidFill>
+                  <a:schemeClr val="tx1">
+                    <a:lumMod val="75000"/>
+                    <a:lumOff val="25000"/>
+                  </a:schemeClr>
+                </a:solidFill>
+                <a:latin typeface="LiberationSansNarrow"/>
+              </a:rPr>
+              <a:t>Universität Heidelberg), </a:t>
+            </a:r>
+            <a:br>
+              <a:rPr lang="pl-PL" sz="1800" b="0" i="0" u="none" strike="noStrike" baseline="0" dirty="0">
+                <a:solidFill>
+                  <a:schemeClr val="tx1">
+                    <a:lumMod val="75000"/>
+                    <a:lumOff val="25000"/>
+                  </a:schemeClr>
+                </a:solidFill>
+                <a:latin typeface="LiberationSansNarrow"/>
+              </a:rPr>
+            </a:br>
+            <a:r>
+              <a:rPr lang="sv-SE" sz="1800" b="0" i="0" u="none" strike="noStrike" baseline="0" dirty="0">
+                <a:solidFill>
+                  <a:schemeClr val="tx1">
+                    <a:lumMod val="75000"/>
+                    <a:lumOff val="25000"/>
+                  </a:schemeClr>
+                </a:solidFill>
+                <a:latin typeface="LiberationSansNarrow"/>
+              </a:rPr>
+              <a:t>MA (Göteborgs universitet)</a:t>
+            </a:r>
+            <a:br>
+              <a:rPr lang="en-GB" sz="1800" dirty="0">
+                <a:solidFill>
+                  <a:schemeClr val="tx1">
+                    <a:lumMod val="75000"/>
+                    <a:lumOff val="25000"/>
+                  </a:schemeClr>
+                </a:solidFill>
+              </a:rPr>
+            </a:br>
+            <a:endParaRPr lang="en-GB" sz="2000" dirty="0"/>
           </a:p>
         </p:txBody>
       </p:sp>
@@ -26779,8 +26931,8 @@
         </p:nvSpPr>
         <p:spPr>
           <a:xfrm>
-            <a:off x="684000" y="3723879"/>
-            <a:ext cx="7848440" cy="960746"/>
+            <a:off x="4067944" y="3723879"/>
+            <a:ext cx="4464496" cy="960746"/>
           </a:xfrm>
         </p:spPr>
         <p:txBody>
@@ -26820,6 +26972,259 @@
 </file>
 
 <file path=ppt/slides/slide10.xml><?xml version="1.0" encoding="utf-8"?>
+<p:sld xmlns:a="http://schemas.openxmlformats.org/drawingml/2006/main" xmlns:r="http://schemas.openxmlformats.org/officeDocument/2006/relationships" xmlns:p="http://schemas.openxmlformats.org/presentationml/2006/main">
+  <p:cSld>
+    <p:spTree>
+      <p:nvGrpSpPr>
+        <p:cNvPr id="1" name=""/>
+        <p:cNvGrpSpPr/>
+        <p:nvPr/>
+      </p:nvGrpSpPr>
+      <p:grpSpPr>
+        <a:xfrm>
+          <a:off x="0" y="0"/>
+          <a:ext cx="0" cy="0"/>
+          <a:chOff x="0" y="0"/>
+          <a:chExt cx="0" cy="0"/>
+        </a:xfrm>
+      </p:grpSpPr>
+      <p:graphicFrame>
+        <p:nvGraphicFramePr>
+          <p:cNvPr id="4" name="Table 4">
+            <a:extLst>
+              <a:ext uri="{FF2B5EF4-FFF2-40B4-BE49-F238E27FC236}">
+                <a16:creationId xmlns:a16="http://schemas.microsoft.com/office/drawing/2014/main" id="{B7CD0EA4-C99C-2AFC-D8E9-C187AEE5C7C0}"/>
+              </a:ext>
+            </a:extLst>
+          </p:cNvPr>
+          <p:cNvGraphicFramePr>
+            <a:graphicFrameLocks noGrp="1"/>
+          </p:cNvGraphicFramePr>
+          <p:nvPr>
+            <p:ph sz="quarter" idx="12"/>
+            <p:extLst>
+              <p:ext uri="{D42A27DB-BD31-4B8C-83A1-F6EECF244321}">
+                <p14:modId xmlns:p14="http://schemas.microsoft.com/office/powerpoint/2010/main" val="4004470214"/>
+              </p:ext>
+            </p:extLst>
+          </p:nvPr>
+        </p:nvGraphicFramePr>
+        <p:xfrm>
+          <a:off x="1043608" y="2015490"/>
+          <a:ext cx="2807668" cy="1112520"/>
+        </p:xfrm>
+        <a:graphic>
+          <a:graphicData uri="http://schemas.openxmlformats.org/drawingml/2006/table">
+            <a:tbl>
+              <a:tblPr firstRow="1" bandRow="1">
+                <a:tableStyleId>{5940675A-B579-460E-94D1-54222C63F5DA}</a:tableStyleId>
+              </a:tblPr>
+              <a:tblGrid>
+                <a:gridCol w="1403834">
+                  <a:extLst>
+                    <a:ext uri="{9D8B030D-6E8A-4147-A177-3AD203B41FA5}">
+                      <a16:colId xmlns:a16="http://schemas.microsoft.com/office/drawing/2014/main" val="3185985588"/>
+                    </a:ext>
+                  </a:extLst>
+                </a:gridCol>
+                <a:gridCol w="1403834">
+                  <a:extLst>
+                    <a:ext uri="{9D8B030D-6E8A-4147-A177-3AD203B41FA5}">
+                      <a16:colId xmlns:a16="http://schemas.microsoft.com/office/drawing/2014/main" val="4286670827"/>
+                    </a:ext>
+                  </a:extLst>
+                </a:gridCol>
+              </a:tblGrid>
+              <a:tr h="370840">
+                <a:tc>
+                  <a:txBody>
+                    <a:bodyPr/>
+                    <a:lstStyle/>
+                    <a:p>
+                      <a:endParaRPr lang="en-GB" dirty="0"/>
+                    </a:p>
+                  </a:txBody>
+                  <a:tcPr/>
+                </a:tc>
+                <a:tc>
+                  <a:txBody>
+                    <a:bodyPr/>
+                    <a:lstStyle/>
+                    <a:p>
+                      <a:r>
+                        <a:rPr lang="pl-PL" b="1" dirty="0"/>
+                        <a:t>Accuracy</a:t>
+                      </a:r>
+                      <a:endParaRPr lang="en-GB" b="1" dirty="0"/>
+                    </a:p>
+                  </a:txBody>
+                  <a:tcPr/>
+                </a:tc>
+                <a:extLst>
+                  <a:ext uri="{0D108BD9-81ED-4DB2-BD59-A6C34878D82A}">
+                    <a16:rowId xmlns:a16="http://schemas.microsoft.com/office/drawing/2014/main" val="388793026"/>
+                  </a:ext>
+                </a:extLst>
+              </a:tr>
+              <a:tr h="370840">
+                <a:tc>
+                  <a:txBody>
+                    <a:bodyPr/>
+                    <a:lstStyle/>
+                    <a:p>
+                      <a:r>
+                        <a:rPr lang="pl-PL" b="1" dirty="0"/>
+                        <a:t>PDB-UD</a:t>
+                      </a:r>
+                      <a:endParaRPr lang="en-GB" b="1" dirty="0"/>
+                    </a:p>
+                  </a:txBody>
+                  <a:tcPr/>
+                </a:tc>
+                <a:tc>
+                  <a:txBody>
+                    <a:bodyPr/>
+                    <a:lstStyle/>
+                    <a:p>
+                      <a:r>
+                        <a:rPr lang="pl-PL" dirty="0"/>
+                        <a:t>98.40%</a:t>
+                      </a:r>
+                      <a:endParaRPr lang="en-GB" dirty="0"/>
+                    </a:p>
+                  </a:txBody>
+                  <a:tcPr/>
+                </a:tc>
+                <a:extLst>
+                  <a:ext uri="{0D108BD9-81ED-4DB2-BD59-A6C34878D82A}">
+                    <a16:rowId xmlns:a16="http://schemas.microsoft.com/office/drawing/2014/main" val="3569029191"/>
+                  </a:ext>
+                </a:extLst>
+              </a:tr>
+              <a:tr h="370840">
+                <a:tc>
+                  <a:txBody>
+                    <a:bodyPr/>
+                    <a:lstStyle/>
+                    <a:p>
+                      <a:r>
+                        <a:rPr lang="pl-PL" b="1" dirty="0"/>
+                        <a:t>Historical</a:t>
+                      </a:r>
+                      <a:endParaRPr lang="en-GB" b="1" dirty="0"/>
+                    </a:p>
+                  </a:txBody>
+                  <a:tcPr/>
+                </a:tc>
+                <a:tc>
+                  <a:txBody>
+                    <a:bodyPr/>
+                    <a:lstStyle/>
+                    <a:p>
+                      <a:r>
+                        <a:rPr lang="pl-PL" dirty="0"/>
+                        <a:t>93.31%</a:t>
+                      </a:r>
+                      <a:endParaRPr lang="en-GB" dirty="0"/>
+                    </a:p>
+                  </a:txBody>
+                  <a:tcPr/>
+                </a:tc>
+                <a:extLst>
+                  <a:ext uri="{0D108BD9-81ED-4DB2-BD59-A6C34878D82A}">
+                    <a16:rowId xmlns:a16="http://schemas.microsoft.com/office/drawing/2014/main" val="3829143154"/>
+                  </a:ext>
+                </a:extLst>
+              </a:tr>
+            </a:tbl>
+          </a:graphicData>
+        </a:graphic>
+      </p:graphicFrame>
+      <p:sp>
+        <p:nvSpPr>
+          <p:cNvPr id="3" name="Title 2">
+            <a:extLst>
+              <a:ext uri="{FF2B5EF4-FFF2-40B4-BE49-F238E27FC236}">
+                <a16:creationId xmlns:a16="http://schemas.microsoft.com/office/drawing/2014/main" id="{693D2568-216A-B3B2-6FE8-05CD2140DCFF}"/>
+              </a:ext>
+            </a:extLst>
+          </p:cNvPr>
+          <p:cNvSpPr>
+            <a:spLocks noGrp="1"/>
+          </p:cNvSpPr>
+          <p:nvPr>
+            <p:ph type="title"/>
+          </p:nvPr>
+        </p:nvSpPr>
+        <p:spPr/>
+        <p:txBody>
+          <a:bodyPr/>
+          <a:lstStyle/>
+          <a:p>
+            <a:r>
+              <a:rPr lang="pl-PL" dirty="0"/>
+              <a:t>Results: UPOS-tagging</a:t>
+            </a:r>
+            <a:endParaRPr lang="en-GB" dirty="0"/>
+          </a:p>
+        </p:txBody>
+      </p:sp>
+      <p:pic>
+        <p:nvPicPr>
+          <p:cNvPr id="6" name="Picture 5">
+            <a:extLst>
+              <a:ext uri="{FF2B5EF4-FFF2-40B4-BE49-F238E27FC236}">
+                <a16:creationId xmlns:a16="http://schemas.microsoft.com/office/drawing/2014/main" id="{2504F1D9-0C42-4A7D-6A2A-DECA27A75B01}"/>
+              </a:ext>
+            </a:extLst>
+          </p:cNvPr>
+          <p:cNvPicPr>
+            <a:picLocks noChangeAspect="1"/>
+          </p:cNvPicPr>
+          <p:nvPr/>
+        </p:nvPicPr>
+        <p:blipFill>
+          <a:blip r:embed="rId2"/>
+          <a:stretch>
+            <a:fillRect/>
+          </a:stretch>
+        </p:blipFill>
+        <p:spPr>
+          <a:xfrm>
+            <a:off x="5076056" y="934771"/>
+            <a:ext cx="2431157" cy="3273958"/>
+          </a:xfrm>
+          <a:prstGeom prst="rect">
+            <a:avLst/>
+          </a:prstGeom>
+        </p:spPr>
+      </p:pic>
+    </p:spTree>
+    <p:extLst>
+      <p:ext uri="{BB962C8B-B14F-4D97-AF65-F5344CB8AC3E}">
+        <p14:creationId xmlns:p14="http://schemas.microsoft.com/office/powerpoint/2010/main" val="3543411305"/>
+      </p:ext>
+    </p:extLst>
+  </p:cSld>
+  <p:clrMapOvr>
+    <a:masterClrMapping/>
+  </p:clrMapOvr>
+  <mc:AlternateContent xmlns:mc="http://schemas.openxmlformats.org/markup-compatibility/2006" xmlns:p14="http://schemas.microsoft.com/office/powerpoint/2010/main">
+    <mc:Choice Requires="p14">
+      <p:transition spd="med" p14:dur="700">
+        <p:fade/>
+      </p:transition>
+    </mc:Choice>
+    <mc:Fallback xmlns="">
+      <p:transition spd="med">
+        <p:fade/>
+      </p:transition>
+    </mc:Fallback>
+  </mc:AlternateContent>
+</p:sld>
+</file>
+
+<file path=ppt/slides/slide11.xml><?xml version="1.0" encoding="utf-8"?>
 <p:sld xmlns:a="http://schemas.openxmlformats.org/drawingml/2006/main" xmlns:r="http://schemas.openxmlformats.org/officeDocument/2006/relationships" xmlns:p="http://schemas.openxmlformats.org/presentationml/2006/main">
   <p:cSld>
     <p:spTree>
@@ -27070,7 +27475,7 @@
 </p:sld>
 </file>
 
-<file path=ppt/slides/slide11.xml><?xml version="1.0" encoding="utf-8"?>
+<file path=ppt/slides/slide12.xml><?xml version="1.0" encoding="utf-8"?>
 <p:sld xmlns:a="http://schemas.openxmlformats.org/drawingml/2006/main" xmlns:r="http://schemas.openxmlformats.org/officeDocument/2006/relationships" xmlns:p="http://schemas.openxmlformats.org/presentationml/2006/main">
   <p:cSld>
     <p:spTree>
@@ -27316,7 +27721,7 @@
 </p:sld>
 </file>
 
-<file path=ppt/slides/slide12.xml><?xml version="1.0" encoding="utf-8"?>
+<file path=ppt/slides/slide13.xml><?xml version="1.0" encoding="utf-8"?>
 <p:sld xmlns:a="http://schemas.openxmlformats.org/drawingml/2006/main" xmlns:r="http://schemas.openxmlformats.org/officeDocument/2006/relationships" xmlns:p="http://schemas.openxmlformats.org/presentationml/2006/main">
   <p:cSld>
     <p:spTree>
@@ -27476,549 +27881,6 @@
     <p:extLst>
       <p:ext uri="{BB962C8B-B14F-4D97-AF65-F5344CB8AC3E}">
         <p14:creationId xmlns:p14="http://schemas.microsoft.com/office/powerpoint/2010/main" val="1460931767"/>
-      </p:ext>
-    </p:extLst>
-  </p:cSld>
-  <p:clrMapOvr>
-    <a:masterClrMapping/>
-  </p:clrMapOvr>
-  <mc:AlternateContent xmlns:mc="http://schemas.openxmlformats.org/markup-compatibility/2006" xmlns:p14="http://schemas.microsoft.com/office/powerpoint/2010/main">
-    <mc:Choice Requires="p14">
-      <p:transition spd="med" p14:dur="700">
-        <p:fade/>
-      </p:transition>
-    </mc:Choice>
-    <mc:Fallback xmlns="">
-      <p:transition spd="med">
-        <p:fade/>
-      </p:transition>
-    </mc:Fallback>
-  </mc:AlternateContent>
-</p:sld>
-</file>
-
-<file path=ppt/slides/slide13.xml><?xml version="1.0" encoding="utf-8"?>
-<p:sld xmlns:a="http://schemas.openxmlformats.org/drawingml/2006/main" xmlns:r="http://schemas.openxmlformats.org/officeDocument/2006/relationships" xmlns:p="http://schemas.openxmlformats.org/presentationml/2006/main">
-  <p:cSld>
-    <p:spTree>
-      <p:nvGrpSpPr>
-        <p:cNvPr id="1" name=""/>
-        <p:cNvGrpSpPr/>
-        <p:nvPr/>
-      </p:nvGrpSpPr>
-      <p:grpSpPr>
-        <a:xfrm>
-          <a:off x="0" y="0"/>
-          <a:ext cx="0" cy="0"/>
-          <a:chOff x="0" y="0"/>
-          <a:chExt cx="0" cy="0"/>
-        </a:xfrm>
-      </p:grpSpPr>
-      <p:sp>
-        <p:nvSpPr>
-          <p:cNvPr id="2" name="Content Placeholder 1">
-            <a:extLst>
-              <a:ext uri="{FF2B5EF4-FFF2-40B4-BE49-F238E27FC236}">
-                <a16:creationId xmlns:a16="http://schemas.microsoft.com/office/drawing/2014/main" id="{1D69262F-47E6-F73F-4F06-209A749691D1}"/>
-              </a:ext>
-            </a:extLst>
-          </p:cNvPr>
-          <p:cNvSpPr>
-            <a:spLocks noGrp="1"/>
-          </p:cNvSpPr>
-          <p:nvPr>
-            <p:ph sz="quarter" idx="12"/>
-          </p:nvPr>
-        </p:nvSpPr>
-        <p:spPr/>
-        <p:txBody>
-          <a:bodyPr>
-            <a:normAutofit fontScale="85000" lnSpcReduction="20000"/>
-          </a:bodyPr>
-          <a:lstStyle/>
-          <a:p>
-            <a:r>
-              <a:rPr lang="pl-PL" dirty="0"/>
-              <a:t>Old data.</a:t>
-            </a:r>
-          </a:p>
-          <a:p>
-            <a:r>
-              <a:rPr lang="pl-PL" dirty="0"/>
-              <a:t>Not expecially computationally heavy.</a:t>
-            </a:r>
-          </a:p>
-          <a:p>
-            <a:r>
-              <a:rPr lang="pl-PL" dirty="0"/>
-              <a:t>Explores utilizing tools for underrepresented dialects or languages.</a:t>
-            </a:r>
-          </a:p>
-          <a:p>
-            <a:r>
-              <a:rPr lang="pl-PL" dirty="0"/>
-              <a:t>Gender annotation on pronouns – gender bias?</a:t>
-            </a:r>
-          </a:p>
-          <a:p>
-            <a:pPr lvl="1"/>
-            <a:r>
-              <a:rPr lang="en-GB" b="0" dirty="0">
-                <a:effectLst/>
-                <a:latin typeface="Consolas" panose="020B0609020204030204" pitchFamily="49" charset="0"/>
-              </a:rPr>
-              <a:t>#</a:t>
-            </a:r>
-            <a:r>
-              <a:rPr lang="en-GB" b="0" dirty="0">
-                <a:solidFill>
-                  <a:srgbClr val="CCCCCC"/>
-                </a:solidFill>
-                <a:effectLst/>
-                <a:latin typeface="Consolas" panose="020B0609020204030204" pitchFamily="49" charset="0"/>
-              </a:rPr>
-              <a:t> </a:t>
-            </a:r>
-            <a:r>
-              <a:rPr lang="en-GB" b="0" dirty="0" err="1">
-                <a:solidFill>
-                  <a:srgbClr val="4EC9B0"/>
-                </a:solidFill>
-                <a:effectLst/>
-                <a:latin typeface="Consolas" panose="020B0609020204030204" pitchFamily="49" charset="0"/>
-              </a:rPr>
-              <a:t>sent_id</a:t>
-            </a:r>
-            <a:r>
-              <a:rPr lang="en-GB" b="0" dirty="0">
-                <a:solidFill>
-                  <a:srgbClr val="4EC9B0"/>
-                </a:solidFill>
-                <a:effectLst/>
-                <a:latin typeface="Consolas" panose="020B0609020204030204" pitchFamily="49" charset="0"/>
-              </a:rPr>
-              <a:t> </a:t>
-            </a:r>
-            <a:r>
-              <a:rPr lang="en-GB" b="0" dirty="0">
-                <a:effectLst/>
-                <a:latin typeface="Consolas" panose="020B0609020204030204" pitchFamily="49" charset="0"/>
-              </a:rPr>
-              <a:t>=</a:t>
-            </a:r>
-            <a:r>
-              <a:rPr lang="en-GB" b="0" dirty="0">
-                <a:solidFill>
-                  <a:srgbClr val="CCCCCC"/>
-                </a:solidFill>
-                <a:effectLst/>
-                <a:latin typeface="Consolas" panose="020B0609020204030204" pitchFamily="49" charset="0"/>
-              </a:rPr>
-              <a:t> </a:t>
-            </a:r>
-            <a:r>
-              <a:rPr lang="en-GB" b="0" dirty="0">
-                <a:solidFill>
-                  <a:srgbClr val="569CD6"/>
-                </a:solidFill>
-                <a:effectLst/>
-                <a:latin typeface="Consolas" panose="020B0609020204030204" pitchFamily="49" charset="0"/>
-              </a:rPr>
-              <a:t>train-s2896</a:t>
-            </a:r>
-            <a:endParaRPr lang="en-GB" b="0" dirty="0">
-              <a:solidFill>
-                <a:srgbClr val="CCCCCC"/>
-              </a:solidFill>
-              <a:effectLst/>
-              <a:latin typeface="Consolas" panose="020B0609020204030204" pitchFamily="49" charset="0"/>
-            </a:endParaRPr>
-          </a:p>
-          <a:p>
-            <a:pPr lvl="1"/>
-            <a:r>
-              <a:rPr lang="en-GB" b="0" dirty="0">
-                <a:effectLst/>
-                <a:latin typeface="Consolas" panose="020B0609020204030204" pitchFamily="49" charset="0"/>
-              </a:rPr>
-              <a:t>#</a:t>
-            </a:r>
-            <a:r>
-              <a:rPr lang="en-GB" b="0" dirty="0">
-                <a:solidFill>
-                  <a:srgbClr val="CCCCCC"/>
-                </a:solidFill>
-                <a:effectLst/>
-                <a:latin typeface="Consolas" panose="020B0609020204030204" pitchFamily="49" charset="0"/>
-              </a:rPr>
-              <a:t> </a:t>
-            </a:r>
-            <a:r>
-              <a:rPr lang="en-GB" b="0" dirty="0">
-                <a:solidFill>
-                  <a:srgbClr val="4EC9B0"/>
-                </a:solidFill>
-                <a:effectLst/>
-                <a:latin typeface="Consolas" panose="020B0609020204030204" pitchFamily="49" charset="0"/>
-              </a:rPr>
-              <a:t>text</a:t>
-            </a:r>
-            <a:r>
-              <a:rPr lang="en-GB" b="0" dirty="0">
-                <a:solidFill>
-                  <a:srgbClr val="CCCCCC"/>
-                </a:solidFill>
-                <a:effectLst/>
-                <a:latin typeface="Consolas" panose="020B0609020204030204" pitchFamily="49" charset="0"/>
-              </a:rPr>
-              <a:t> </a:t>
-            </a:r>
-            <a:r>
-              <a:rPr lang="en-GB" b="0" dirty="0">
-                <a:effectLst/>
-                <a:latin typeface="Consolas" panose="020B0609020204030204" pitchFamily="49" charset="0"/>
-              </a:rPr>
-              <a:t>=</a:t>
-            </a:r>
-            <a:r>
-              <a:rPr lang="en-GB" b="0" dirty="0">
-                <a:solidFill>
-                  <a:srgbClr val="CCCCCC"/>
-                </a:solidFill>
-                <a:effectLst/>
-                <a:latin typeface="Consolas" panose="020B0609020204030204" pitchFamily="49" charset="0"/>
-              </a:rPr>
-              <a:t> </a:t>
-            </a:r>
-            <a:r>
-              <a:rPr lang="en-GB" b="0" dirty="0">
-                <a:solidFill>
-                  <a:srgbClr val="CE9178"/>
-                </a:solidFill>
-                <a:effectLst/>
-                <a:latin typeface="Consolas" panose="020B0609020204030204" pitchFamily="49" charset="0"/>
-              </a:rPr>
-              <a:t>- Ty </a:t>
-            </a:r>
-            <a:r>
-              <a:rPr lang="en-GB" b="0" dirty="0" err="1">
-                <a:solidFill>
-                  <a:srgbClr val="CE9178"/>
-                </a:solidFill>
-                <a:effectLst/>
-                <a:latin typeface="Consolas" panose="020B0609020204030204" pitchFamily="49" charset="0"/>
-              </a:rPr>
-              <a:t>nie</a:t>
-            </a:r>
-            <a:r>
-              <a:rPr lang="en-GB" b="0" dirty="0">
-                <a:solidFill>
-                  <a:srgbClr val="CE9178"/>
-                </a:solidFill>
-                <a:effectLst/>
-                <a:latin typeface="Consolas" panose="020B0609020204030204" pitchFamily="49" charset="0"/>
-              </a:rPr>
-              <a:t> </a:t>
-            </a:r>
-            <a:r>
-              <a:rPr lang="en-GB" b="0" dirty="0" err="1">
-                <a:solidFill>
-                  <a:srgbClr val="CE9178"/>
-                </a:solidFill>
-                <a:effectLst/>
-                <a:latin typeface="Consolas" panose="020B0609020204030204" pitchFamily="49" charset="0"/>
-              </a:rPr>
-              <a:t>wiesz</a:t>
-            </a:r>
-            <a:r>
-              <a:rPr lang="en-GB" b="0" dirty="0">
-                <a:solidFill>
-                  <a:srgbClr val="CE9178"/>
-                </a:solidFill>
-                <a:effectLst/>
-                <a:latin typeface="Consolas" panose="020B0609020204030204" pitchFamily="49" charset="0"/>
-              </a:rPr>
-              <a:t>?</a:t>
-            </a:r>
-            <a:r>
-              <a:rPr lang="pl-PL" b="0" dirty="0">
-                <a:solidFill>
-                  <a:srgbClr val="CE9178"/>
-                </a:solidFill>
-                <a:effectLst/>
-                <a:latin typeface="Consolas" panose="020B0609020204030204" pitchFamily="49" charset="0"/>
-              </a:rPr>
-              <a:t> </a:t>
-            </a:r>
-            <a:r>
-              <a:rPr lang="pl-PL" b="0" dirty="0">
-                <a:solidFill>
-                  <a:srgbClr val="7030A0"/>
-                </a:solidFill>
-                <a:effectLst/>
-              </a:rPr>
-              <a:t>(ENG: Do you not know?)</a:t>
-            </a:r>
-            <a:endParaRPr lang="en-GB" b="0" dirty="0">
-              <a:solidFill>
-                <a:srgbClr val="7030A0"/>
-              </a:solidFill>
-              <a:effectLst/>
-            </a:endParaRPr>
-          </a:p>
-          <a:p>
-            <a:pPr lvl="1"/>
-            <a:r>
-              <a:rPr lang="en-GB" b="0" dirty="0">
-                <a:effectLst/>
-                <a:latin typeface="Consolas" panose="020B0609020204030204" pitchFamily="49" charset="0"/>
-              </a:rPr>
-              <a:t>#</a:t>
-            </a:r>
-            <a:r>
-              <a:rPr lang="en-GB" b="0" dirty="0">
-                <a:solidFill>
-                  <a:srgbClr val="CCCCCC"/>
-                </a:solidFill>
-                <a:effectLst/>
-                <a:latin typeface="Consolas" panose="020B0609020204030204" pitchFamily="49" charset="0"/>
-              </a:rPr>
-              <a:t> </a:t>
-            </a:r>
-            <a:r>
-              <a:rPr lang="en-GB" b="0" dirty="0" err="1">
-                <a:solidFill>
-                  <a:srgbClr val="4EC9B0"/>
-                </a:solidFill>
-                <a:effectLst/>
-                <a:latin typeface="Consolas" panose="020B0609020204030204" pitchFamily="49" charset="0"/>
-              </a:rPr>
-              <a:t>orig_file_sentence</a:t>
-            </a:r>
-            <a:r>
-              <a:rPr lang="en-GB" b="0" dirty="0">
-                <a:solidFill>
-                  <a:srgbClr val="4EC9B0"/>
-                </a:solidFill>
-                <a:effectLst/>
-                <a:latin typeface="Consolas" panose="020B0609020204030204" pitchFamily="49" charset="0"/>
-              </a:rPr>
-              <a:t> </a:t>
-            </a:r>
-            <a:r>
-              <a:rPr lang="en-GB" b="0" dirty="0">
-                <a:solidFill>
-                  <a:srgbClr val="CCCCCC"/>
-                </a:solidFill>
-                <a:effectLst/>
-                <a:latin typeface="Consolas" panose="020B0609020204030204" pitchFamily="49" charset="0"/>
-              </a:rPr>
-              <a:t>= </a:t>
-            </a:r>
-            <a:r>
-              <a:rPr lang="en-GB" b="0" dirty="0">
-                <a:solidFill>
-                  <a:srgbClr val="569CD6"/>
-                </a:solidFill>
-                <a:effectLst/>
-                <a:latin typeface="Consolas" panose="020B0609020204030204" pitchFamily="49" charset="0"/>
-              </a:rPr>
-              <a:t>200-2-000093_morph_5.47-s#7092</a:t>
-            </a:r>
-            <a:endParaRPr lang="en-GB" b="0" dirty="0">
-              <a:solidFill>
-                <a:srgbClr val="CCCCCC"/>
-              </a:solidFill>
-              <a:effectLst/>
-              <a:latin typeface="Consolas" panose="020B0609020204030204" pitchFamily="49" charset="0"/>
-            </a:endParaRPr>
-          </a:p>
-          <a:p>
-            <a:pPr lvl="1"/>
-            <a:r>
-              <a:rPr lang="pl-PL" b="0" dirty="0">
-                <a:effectLst/>
-                <a:latin typeface="Consolas" panose="020B0609020204030204" pitchFamily="49" charset="0"/>
-              </a:rPr>
-              <a:t>...</a:t>
-            </a:r>
-            <a:endParaRPr lang="en-GB" b="0" dirty="0">
-              <a:effectLst/>
-              <a:latin typeface="Consolas" panose="020B0609020204030204" pitchFamily="49" charset="0"/>
-            </a:endParaRPr>
-          </a:p>
-          <a:p>
-            <a:pPr lvl="1"/>
-            <a:r>
-              <a:rPr lang="en-GB" b="0" dirty="0">
-                <a:effectLst/>
-                <a:latin typeface="Consolas" panose="020B0609020204030204" pitchFamily="49" charset="0"/>
-              </a:rPr>
-              <a:t>2</a:t>
-            </a:r>
-            <a:r>
-              <a:rPr lang="en-GB" b="0" dirty="0">
-                <a:solidFill>
-                  <a:srgbClr val="CCCCCC"/>
-                </a:solidFill>
-                <a:effectLst/>
-                <a:latin typeface="Consolas" panose="020B0609020204030204" pitchFamily="49" charset="0"/>
-              </a:rPr>
-              <a:t>   </a:t>
-            </a:r>
-            <a:r>
-              <a:rPr lang="en-GB" b="0" dirty="0">
-                <a:solidFill>
-                  <a:srgbClr val="9CDCFE"/>
-                </a:solidFill>
-                <a:effectLst/>
-                <a:latin typeface="Consolas" panose="020B0609020204030204" pitchFamily="49" charset="0"/>
-              </a:rPr>
-              <a:t>Ty</a:t>
-            </a:r>
-            <a:r>
-              <a:rPr lang="en-GB" b="0" dirty="0">
-                <a:solidFill>
-                  <a:srgbClr val="CCCCCC"/>
-                </a:solidFill>
-                <a:effectLst/>
-                <a:latin typeface="Consolas" panose="020B0609020204030204" pitchFamily="49" charset="0"/>
-              </a:rPr>
-              <a:t>  </a:t>
-            </a:r>
-            <a:r>
-              <a:rPr lang="en-GB" b="0" dirty="0" err="1">
-                <a:effectLst/>
-                <a:latin typeface="Consolas" panose="020B0609020204030204" pitchFamily="49" charset="0"/>
-              </a:rPr>
-              <a:t>ty</a:t>
-            </a:r>
-            <a:r>
-              <a:rPr lang="en-GB" b="0" dirty="0">
-                <a:solidFill>
-                  <a:srgbClr val="CCCCCC"/>
-                </a:solidFill>
-                <a:effectLst/>
-                <a:latin typeface="Consolas" panose="020B0609020204030204" pitchFamily="49" charset="0"/>
-              </a:rPr>
-              <a:t>  </a:t>
-            </a:r>
-            <a:r>
-              <a:rPr lang="en-GB" b="0" dirty="0">
-                <a:solidFill>
-                  <a:srgbClr val="CE9178"/>
-                </a:solidFill>
-                <a:effectLst/>
-                <a:latin typeface="Consolas" panose="020B0609020204030204" pitchFamily="49" charset="0"/>
-              </a:rPr>
-              <a:t>PRON</a:t>
-            </a:r>
-            <a:r>
-              <a:rPr lang="en-GB" b="0" dirty="0">
-                <a:solidFill>
-                  <a:srgbClr val="CCCCCC"/>
-                </a:solidFill>
-                <a:effectLst/>
-                <a:latin typeface="Consolas" panose="020B0609020204030204" pitchFamily="49" charset="0"/>
-              </a:rPr>
-              <a:t>    </a:t>
-            </a:r>
-            <a:r>
-              <a:rPr lang="en-GB" b="0" dirty="0">
-                <a:solidFill>
-                  <a:srgbClr val="569CD6"/>
-                </a:solidFill>
-                <a:effectLst/>
-                <a:latin typeface="Consolas" panose="020B0609020204030204" pitchFamily="49" charset="0"/>
-              </a:rPr>
-              <a:t>ppron12:sg:nom:m1:sec</a:t>
-            </a:r>
-            <a:r>
-              <a:rPr lang="en-GB" b="0" dirty="0">
-                <a:solidFill>
-                  <a:srgbClr val="CCCCCC"/>
-                </a:solidFill>
-                <a:effectLst/>
-                <a:latin typeface="Consolas" panose="020B0609020204030204" pitchFamily="49" charset="0"/>
-              </a:rPr>
-              <a:t>  </a:t>
-            </a:r>
-            <a:r>
-              <a:rPr lang="pl-PL" b="0" dirty="0">
-                <a:effectLst/>
-                <a:latin typeface="Consolas" panose="020B0609020204030204" pitchFamily="49" charset="0"/>
-              </a:rPr>
-              <a:t>...</a:t>
-            </a:r>
-          </a:p>
-          <a:p>
-            <a:pPr lvl="1"/>
-            <a:r>
-              <a:rPr lang="pl-PL" b="0" dirty="0">
-                <a:effectLst/>
-                <a:latin typeface="Consolas" panose="020B0609020204030204" pitchFamily="49" charset="0"/>
-              </a:rPr>
-              <a:t>...</a:t>
-            </a:r>
-            <a:br>
-              <a:rPr lang="en-GB" b="0" dirty="0">
-                <a:solidFill>
-                  <a:srgbClr val="CCCCCC"/>
-                </a:solidFill>
-                <a:effectLst/>
-                <a:latin typeface="Consolas" panose="020B0609020204030204" pitchFamily="49" charset="0"/>
-              </a:rPr>
-            </a:br>
-            <a:endParaRPr lang="en-GB" b="0" dirty="0">
-              <a:solidFill>
-                <a:srgbClr val="CCCCCC"/>
-              </a:solidFill>
-              <a:effectLst/>
-              <a:latin typeface="Consolas" panose="020B0609020204030204" pitchFamily="49" charset="0"/>
-            </a:endParaRPr>
-          </a:p>
-          <a:p>
-            <a:pPr lvl="1"/>
-            <a:endParaRPr lang="pl-PL" dirty="0"/>
-          </a:p>
-          <a:p>
-            <a:endParaRPr lang="en-GB" dirty="0"/>
-          </a:p>
-        </p:txBody>
-      </p:sp>
-      <p:sp>
-        <p:nvSpPr>
-          <p:cNvPr id="3" name="Title 2">
-            <a:extLst>
-              <a:ext uri="{FF2B5EF4-FFF2-40B4-BE49-F238E27FC236}">
-                <a16:creationId xmlns:a16="http://schemas.microsoft.com/office/drawing/2014/main" id="{88F5ACC2-A270-A138-1F35-46E03B1DEC3F}"/>
-              </a:ext>
-            </a:extLst>
-          </p:cNvPr>
-          <p:cNvSpPr>
-            <a:spLocks noGrp="1"/>
-          </p:cNvSpPr>
-          <p:nvPr>
-            <p:ph type="title"/>
-          </p:nvPr>
-        </p:nvSpPr>
-        <p:spPr/>
-        <p:txBody>
-          <a:bodyPr/>
-          <a:lstStyle/>
-          <a:p>
-            <a:r>
-              <a:rPr lang="pl-PL" dirty="0"/>
-              <a:t>Ethical considerations</a:t>
-            </a:r>
-            <a:endParaRPr lang="en-GB" dirty="0"/>
-          </a:p>
-        </p:txBody>
-      </p:sp>
-    </p:spTree>
-    <p:extLst>
-      <p:ext uri="{BB962C8B-B14F-4D97-AF65-F5344CB8AC3E}">
-        <p14:creationId xmlns:p14="http://schemas.microsoft.com/office/powerpoint/2010/main" val="3551078558"/>
       </p:ext>
     </p:extLst>
   </p:cSld>
@@ -28108,6 +27970,12 @@
             <a:r>
               <a:rPr lang="pl-PL" dirty="0"/>
               <a:t>Research on pre-processing methods</a:t>
+            </a:r>
+          </a:p>
+          <a:p>
+            <a:r>
+              <a:rPr lang="pl-PL" dirty="0"/>
+              <a:t>Completing the annotation of the data, verifying the quality of the annotation</a:t>
             </a:r>
           </a:p>
         </p:txBody>
@@ -28362,7 +28230,17 @@
             </a:r>
             <a:r>
               <a:rPr lang="pl-PL" dirty="0"/>
-              <a:t> </a:t>
+              <a:t>, upcoming at: </a:t>
+            </a:r>
+            <a:r>
+              <a:rPr lang="pl-PL" dirty="0">
+                <a:hlinkClick r:id="rId3"/>
+              </a:rPr>
+              <a:t>https://gupea.ub.gu.se/</a:t>
+            </a:r>
+            <a:r>
+              <a:rPr lang="pl-PL" dirty="0"/>
+              <a:t>  </a:t>
             </a:r>
           </a:p>
           <a:p>
@@ -28372,7 +28250,7 @@
             </a:r>
             <a:r>
               <a:rPr lang="pl-PL" dirty="0">
-                <a:hlinkClick r:id="rId3"/>
+                <a:hlinkClick r:id="rId4"/>
               </a:rPr>
               <a:t>https://github.com/Turtilla/WSMF-presentation</a:t>
             </a:r>
@@ -29723,7 +29601,12 @@
             <p:ph type="title"/>
           </p:nvPr>
         </p:nvSpPr>
-        <p:spPr/>
+        <p:spPr>
+          <a:xfrm>
+            <a:off x="656324" y="346159"/>
+            <a:ext cx="7831350" cy="569407"/>
+          </a:xfrm>
+        </p:spPr>
         <p:txBody>
           <a:bodyPr/>
           <a:lstStyle/>
@@ -30810,7 +30693,7 @@
         <p:spPr/>
         <p:txBody>
           <a:bodyPr>
-            <a:normAutofit fontScale="77500" lnSpcReduction="20000"/>
+            <a:normAutofit fontScale="85000" lnSpcReduction="20000"/>
           </a:bodyPr>
           <a:lstStyle/>
           <a:p>
@@ -30862,12 +30745,6 @@
             <a:r>
               <a:rPr lang="pl-PL" dirty="0"/>
               <a:t>Results</a:t>
-            </a:r>
-          </a:p>
-          <a:p>
-            <a:r>
-              <a:rPr lang="pl-PL" dirty="0"/>
-              <a:t>Ethical Considerations</a:t>
             </a:r>
           </a:p>
           <a:p>
@@ -34061,7 +33938,7 @@
         <p:spPr/>
         <p:txBody>
           <a:bodyPr>
-            <a:normAutofit fontScale="92500" lnSpcReduction="10000"/>
+            <a:normAutofit/>
           </a:bodyPr>
           <a:lstStyle/>
           <a:p>
@@ -34073,16 +33950,11 @@
           <a:p>
             <a:r>
               <a:rPr lang="pl-PL" dirty="0"/>
-              <a:t>History of Polish</a:t>
-            </a:r>
-          </a:p>
-          <a:p>
-            <a:r>
-              <a:rPr lang="pl-PL" dirty="0"/>
               <a:t>Quantitative and corpus research in historical linguistics</a:t>
             </a:r>
           </a:p>
           <a:p>
+            <a:pPr lvl="1"/>
             <a:r>
               <a:rPr lang="pl-PL" dirty="0"/>
               <a:t>Part-of-speech tagging of historical data</a:t>
@@ -34093,15 +33965,6 @@
               <a:rPr lang="pl-PL" dirty="0"/>
               <a:t>Methods for dealing with language variation in NLP</a:t>
             </a:r>
-          </a:p>
-          <a:p>
-            <a:r>
-              <a:rPr lang="pl-PL" dirty="0"/>
-              <a:t>Detecting and modelling language variation and change</a:t>
-            </a:r>
-          </a:p>
-          <a:p>
-            <a:endParaRPr lang="pl-PL" dirty="0"/>
           </a:p>
           <a:p>
             <a:endParaRPr lang="en-GB" dirty="0"/>
@@ -34134,6 +33997,162 @@
 </file>
 
 <file path=ppt/slides/slide4.xml><?xml version="1.0" encoding="utf-8"?>
+<p:sld xmlns:a="http://schemas.openxmlformats.org/drawingml/2006/main" xmlns:r="http://schemas.openxmlformats.org/officeDocument/2006/relationships" xmlns:p="http://schemas.openxmlformats.org/presentationml/2006/main">
+  <p:cSld>
+    <p:spTree>
+      <p:nvGrpSpPr>
+        <p:cNvPr id="1" name=""/>
+        <p:cNvGrpSpPr/>
+        <p:nvPr/>
+      </p:nvGrpSpPr>
+      <p:grpSpPr>
+        <a:xfrm>
+          <a:off x="0" y="0"/>
+          <a:ext cx="0" cy="0"/>
+          <a:chOff x="0" y="0"/>
+          <a:chExt cx="0" cy="0"/>
+        </a:xfrm>
+      </p:grpSpPr>
+      <p:sp>
+        <p:nvSpPr>
+          <p:cNvPr id="6" name="Content Placeholder 5">
+            <a:extLst>
+              <a:ext uri="{FF2B5EF4-FFF2-40B4-BE49-F238E27FC236}">
+                <a16:creationId xmlns:a16="http://schemas.microsoft.com/office/drawing/2014/main" id="{2912CA35-56BB-8621-1A17-E8D8FF2E8B44}"/>
+              </a:ext>
+            </a:extLst>
+          </p:cNvPr>
+          <p:cNvSpPr>
+            <a:spLocks noGrp="1"/>
+          </p:cNvSpPr>
+          <p:nvPr>
+            <p:ph sz="quarter" idx="12"/>
+          </p:nvPr>
+        </p:nvSpPr>
+        <p:spPr>
+          <a:xfrm>
+            <a:off x="684001" y="3579862"/>
+            <a:ext cx="7488399" cy="800128"/>
+          </a:xfrm>
+        </p:spPr>
+        <p:txBody>
+          <a:bodyPr>
+            <a:normAutofit/>
+          </a:bodyPr>
+          <a:lstStyle/>
+          <a:p>
+            <a:pPr marL="0" indent="0" algn="l">
+              <a:buNone/>
+            </a:pPr>
+            <a:r>
+              <a:rPr lang="pl-PL" dirty="0"/>
+              <a:t>Waszczuk et al. (2018): </a:t>
+            </a:r>
+            <a:r>
+              <a:rPr lang="en-GB" sz="1800" b="0" i="0" u="none" strike="noStrike" baseline="0" dirty="0"/>
+              <a:t>precision and recall both around 88.3% for baroque texts and 90.3% for texts from</a:t>
+            </a:r>
+            <a:r>
+              <a:rPr lang="pl-PL" sz="1800" b="0" i="0" u="none" strike="noStrike" baseline="0" dirty="0"/>
+              <a:t> </a:t>
+            </a:r>
+            <a:r>
+              <a:rPr lang="en-GB" sz="1800" b="0" i="0" u="none" strike="noStrike" baseline="0" dirty="0"/>
+              <a:t>1830–1918</a:t>
+            </a:r>
+            <a:r>
+              <a:rPr lang="pl-PL" dirty="0"/>
+              <a:t>. </a:t>
+            </a:r>
+            <a:endParaRPr lang="en-GB" dirty="0"/>
+          </a:p>
+        </p:txBody>
+      </p:sp>
+      <p:sp>
+        <p:nvSpPr>
+          <p:cNvPr id="5" name="Title 4">
+            <a:extLst>
+              <a:ext uri="{FF2B5EF4-FFF2-40B4-BE49-F238E27FC236}">
+                <a16:creationId xmlns:a16="http://schemas.microsoft.com/office/drawing/2014/main" id="{9B1EB912-AE27-DDE3-51AA-6593FBF32861}"/>
+              </a:ext>
+            </a:extLst>
+          </p:cNvPr>
+          <p:cNvSpPr>
+            <a:spLocks noGrp="1"/>
+          </p:cNvSpPr>
+          <p:nvPr>
+            <p:ph type="title"/>
+          </p:nvPr>
+        </p:nvSpPr>
+        <p:spPr/>
+        <p:txBody>
+          <a:bodyPr/>
+          <a:lstStyle/>
+          <a:p>
+            <a:r>
+              <a:rPr lang="pl-PL" dirty="0"/>
+              <a:t>Related Research</a:t>
+            </a:r>
+            <a:endParaRPr lang="en-GB" dirty="0"/>
+          </a:p>
+        </p:txBody>
+      </p:sp>
+      <p:pic>
+        <p:nvPicPr>
+          <p:cNvPr id="8" name="Picture 7">
+            <a:extLst>
+              <a:ext uri="{FF2B5EF4-FFF2-40B4-BE49-F238E27FC236}">
+                <a16:creationId xmlns:a16="http://schemas.microsoft.com/office/drawing/2014/main" id="{4BD3757A-AE87-D7E3-0CBE-6CD8EB16B816}"/>
+              </a:ext>
+            </a:extLst>
+          </p:cNvPr>
+          <p:cNvPicPr>
+            <a:picLocks noChangeAspect="1"/>
+          </p:cNvPicPr>
+          <p:nvPr/>
+        </p:nvPicPr>
+        <p:blipFill>
+          <a:blip r:embed="rId2"/>
+          <a:stretch>
+            <a:fillRect/>
+          </a:stretch>
+        </p:blipFill>
+        <p:spPr>
+          <a:xfrm>
+            <a:off x="1115616" y="1347614"/>
+            <a:ext cx="6562725" cy="2076450"/>
+          </a:xfrm>
+          <a:prstGeom prst="rect">
+            <a:avLst/>
+          </a:prstGeom>
+        </p:spPr>
+      </p:pic>
+    </p:spTree>
+    <p:extLst>
+      <p:ext uri="{BB962C8B-B14F-4D97-AF65-F5344CB8AC3E}">
+        <p14:creationId xmlns:p14="http://schemas.microsoft.com/office/powerpoint/2010/main" val="2822621011"/>
+      </p:ext>
+    </p:extLst>
+  </p:cSld>
+  <p:clrMapOvr>
+    <a:masterClrMapping/>
+  </p:clrMapOvr>
+  <mc:AlternateContent xmlns:mc="http://schemas.openxmlformats.org/markup-compatibility/2006" xmlns:p14="http://schemas.microsoft.com/office/powerpoint/2010/main">
+    <mc:Choice Requires="p14">
+      <p:transition spd="med" p14:dur="700">
+        <p:fade/>
+      </p:transition>
+    </mc:Choice>
+    <mc:Fallback xmlns="">
+      <p:transition spd="med">
+        <p:fade/>
+      </p:transition>
+    </mc:Fallback>
+  </mc:AlternateContent>
+</p:sld>
+</file>
+
+<file path=ppt/slides/slide5.xml><?xml version="1.0" encoding="utf-8"?>
 <p:sld xmlns:a="http://schemas.openxmlformats.org/drawingml/2006/main" xmlns:r="http://schemas.openxmlformats.org/officeDocument/2006/relationships" xmlns:p="http://schemas.openxmlformats.org/presentationml/2006/main">
   <p:cSld>
     <p:spTree>
@@ -34203,13 +34222,15 @@
           <a:p>
             <a:r>
               <a:rPr lang="pl-PL" sz="1600" dirty="0"/>
-              <a:t>1899 memoir.</a:t>
-            </a:r>
-          </a:p>
-          <a:p>
+              <a:t>1899 memoir from the </a:t>
+            </a:r>
+            <a:r>
+              <a:rPr lang="pl-PL" sz="1600" i="1" dirty="0"/>
+              <a:t>Kresy </a:t>
+            </a:r>
             <a:r>
               <a:rPr lang="pl-PL" sz="1600" dirty="0"/>
-              <a:t>Copied over from a manuscript.</a:t>
+              <a:t>region.</a:t>
             </a:r>
           </a:p>
           <a:p>
@@ -34307,7 +34328,7 @@
 </p:sld>
 </file>
 
-<file path=ppt/slides/slide5.xml><?xml version="1.0" encoding="utf-8"?>
+<file path=ppt/slides/slide6.xml><?xml version="1.0" encoding="utf-8"?>
 <p:sld xmlns:a="http://schemas.openxmlformats.org/drawingml/2006/main" xmlns:r="http://schemas.openxmlformats.org/officeDocument/2006/relationships" xmlns:p="http://schemas.openxmlformats.org/presentationml/2006/main">
   <p:cSld>
     <p:spTree>
@@ -34579,7 +34600,7 @@
 </p:sld>
 </file>
 
-<file path=ppt/slides/slide6.xml><?xml version="1.0" encoding="utf-8"?>
+<file path=ppt/slides/slide7.xml><?xml version="1.0" encoding="utf-8"?>
 <p:sld xmlns:a="http://schemas.openxmlformats.org/drawingml/2006/main" xmlns:r="http://schemas.openxmlformats.org/officeDocument/2006/relationships" xmlns:p="http://schemas.openxmlformats.org/presentationml/2006/main">
   <p:cSld>
     <p:spTree>
@@ -34693,7 +34714,7 @@
 </p:sld>
 </file>
 
-<file path=ppt/slides/slide7.xml><?xml version="1.0" encoding="utf-8"?>
+<file path=ppt/slides/slide8.xml><?xml version="1.0" encoding="utf-8"?>
 <p:sld xmlns:a="http://schemas.openxmlformats.org/drawingml/2006/main" xmlns:r="http://schemas.openxmlformats.org/officeDocument/2006/relationships" xmlns:p="http://schemas.openxmlformats.org/presentationml/2006/main">
   <p:cSld>
     <p:spTree>
@@ -34764,6 +34785,13 @@
             <a:pPr lvl="1"/>
             <a:r>
               <a:rPr lang="pl-PL" dirty="0"/>
+              <a:t>Other appropriate Python libraries and modules</a:t>
+            </a:r>
+          </a:p>
+          <a:p>
+            <a:pPr lvl="1"/>
+            <a:r>
+              <a:rPr lang="pl-PL" dirty="0"/>
               <a:t>Jupyter Notebook</a:t>
             </a:r>
           </a:p>
@@ -34798,8 +34826,8 @@
           <a:lstStyle/>
           <a:p>
             <a:r>
-              <a:rPr lang="pl-PL" dirty="0"/>
-              <a:t>Experiments</a:t>
+              <a:rPr lang="pl-PL"/>
+              <a:t>Experiment</a:t>
             </a:r>
             <a:endParaRPr lang="en-GB" dirty="0"/>
           </a:p>
@@ -34830,7 +34858,7 @@
 </p:sld>
 </file>
 
-<file path=ppt/slides/slide8.xml><?xml version="1.0" encoding="utf-8"?>
+<file path=ppt/slides/slide9.xml><?xml version="1.0" encoding="utf-8"?>
 <p:sld xmlns:a="http://schemas.openxmlformats.org/drawingml/2006/main" xmlns:r="http://schemas.openxmlformats.org/officeDocument/2006/relationships" xmlns:p="http://schemas.openxmlformats.org/presentationml/2006/main">
   <p:cSld>
     <p:spTree>
@@ -35141,259 +35169,6 @@
     <p:extLst>
       <p:ext uri="{BB962C8B-B14F-4D97-AF65-F5344CB8AC3E}">
         <p14:creationId xmlns:p14="http://schemas.microsoft.com/office/powerpoint/2010/main" val="4234474339"/>
-      </p:ext>
-    </p:extLst>
-  </p:cSld>
-  <p:clrMapOvr>
-    <a:masterClrMapping/>
-  </p:clrMapOvr>
-  <mc:AlternateContent xmlns:mc="http://schemas.openxmlformats.org/markup-compatibility/2006" xmlns:p14="http://schemas.microsoft.com/office/powerpoint/2010/main">
-    <mc:Choice Requires="p14">
-      <p:transition spd="med" p14:dur="700">
-        <p:fade/>
-      </p:transition>
-    </mc:Choice>
-    <mc:Fallback xmlns="">
-      <p:transition spd="med">
-        <p:fade/>
-      </p:transition>
-    </mc:Fallback>
-  </mc:AlternateContent>
-</p:sld>
-</file>
-
-<file path=ppt/slides/slide9.xml><?xml version="1.0" encoding="utf-8"?>
-<p:sld xmlns:a="http://schemas.openxmlformats.org/drawingml/2006/main" xmlns:r="http://schemas.openxmlformats.org/officeDocument/2006/relationships" xmlns:p="http://schemas.openxmlformats.org/presentationml/2006/main">
-  <p:cSld>
-    <p:spTree>
-      <p:nvGrpSpPr>
-        <p:cNvPr id="1" name=""/>
-        <p:cNvGrpSpPr/>
-        <p:nvPr/>
-      </p:nvGrpSpPr>
-      <p:grpSpPr>
-        <a:xfrm>
-          <a:off x="0" y="0"/>
-          <a:ext cx="0" cy="0"/>
-          <a:chOff x="0" y="0"/>
-          <a:chExt cx="0" cy="0"/>
-        </a:xfrm>
-      </p:grpSpPr>
-      <p:graphicFrame>
-        <p:nvGraphicFramePr>
-          <p:cNvPr id="4" name="Table 4">
-            <a:extLst>
-              <a:ext uri="{FF2B5EF4-FFF2-40B4-BE49-F238E27FC236}">
-                <a16:creationId xmlns:a16="http://schemas.microsoft.com/office/drawing/2014/main" id="{B7CD0EA4-C99C-2AFC-D8E9-C187AEE5C7C0}"/>
-              </a:ext>
-            </a:extLst>
-          </p:cNvPr>
-          <p:cNvGraphicFramePr>
-            <a:graphicFrameLocks noGrp="1"/>
-          </p:cNvGraphicFramePr>
-          <p:nvPr>
-            <p:ph sz="quarter" idx="12"/>
-            <p:extLst>
-              <p:ext uri="{D42A27DB-BD31-4B8C-83A1-F6EECF244321}">
-                <p14:modId xmlns:p14="http://schemas.microsoft.com/office/powerpoint/2010/main" val="4004470214"/>
-              </p:ext>
-            </p:extLst>
-          </p:nvPr>
-        </p:nvGraphicFramePr>
-        <p:xfrm>
-          <a:off x="1043608" y="2015490"/>
-          <a:ext cx="2807668" cy="1112520"/>
-        </p:xfrm>
-        <a:graphic>
-          <a:graphicData uri="http://schemas.openxmlformats.org/drawingml/2006/table">
-            <a:tbl>
-              <a:tblPr firstRow="1" bandRow="1">
-                <a:tableStyleId>{5940675A-B579-460E-94D1-54222C63F5DA}</a:tableStyleId>
-              </a:tblPr>
-              <a:tblGrid>
-                <a:gridCol w="1403834">
-                  <a:extLst>
-                    <a:ext uri="{9D8B030D-6E8A-4147-A177-3AD203B41FA5}">
-                      <a16:colId xmlns:a16="http://schemas.microsoft.com/office/drawing/2014/main" val="3185985588"/>
-                    </a:ext>
-                  </a:extLst>
-                </a:gridCol>
-                <a:gridCol w="1403834">
-                  <a:extLst>
-                    <a:ext uri="{9D8B030D-6E8A-4147-A177-3AD203B41FA5}">
-                      <a16:colId xmlns:a16="http://schemas.microsoft.com/office/drawing/2014/main" val="4286670827"/>
-                    </a:ext>
-                  </a:extLst>
-                </a:gridCol>
-              </a:tblGrid>
-              <a:tr h="370840">
-                <a:tc>
-                  <a:txBody>
-                    <a:bodyPr/>
-                    <a:lstStyle/>
-                    <a:p>
-                      <a:endParaRPr lang="en-GB" dirty="0"/>
-                    </a:p>
-                  </a:txBody>
-                  <a:tcPr/>
-                </a:tc>
-                <a:tc>
-                  <a:txBody>
-                    <a:bodyPr/>
-                    <a:lstStyle/>
-                    <a:p>
-                      <a:r>
-                        <a:rPr lang="pl-PL" b="1" dirty="0"/>
-                        <a:t>Accuracy</a:t>
-                      </a:r>
-                      <a:endParaRPr lang="en-GB" b="1" dirty="0"/>
-                    </a:p>
-                  </a:txBody>
-                  <a:tcPr/>
-                </a:tc>
-                <a:extLst>
-                  <a:ext uri="{0D108BD9-81ED-4DB2-BD59-A6C34878D82A}">
-                    <a16:rowId xmlns:a16="http://schemas.microsoft.com/office/drawing/2014/main" val="388793026"/>
-                  </a:ext>
-                </a:extLst>
-              </a:tr>
-              <a:tr h="370840">
-                <a:tc>
-                  <a:txBody>
-                    <a:bodyPr/>
-                    <a:lstStyle/>
-                    <a:p>
-                      <a:r>
-                        <a:rPr lang="pl-PL" b="1" dirty="0"/>
-                        <a:t>PDB-UD</a:t>
-                      </a:r>
-                      <a:endParaRPr lang="en-GB" b="1" dirty="0"/>
-                    </a:p>
-                  </a:txBody>
-                  <a:tcPr/>
-                </a:tc>
-                <a:tc>
-                  <a:txBody>
-                    <a:bodyPr/>
-                    <a:lstStyle/>
-                    <a:p>
-                      <a:r>
-                        <a:rPr lang="pl-PL" dirty="0"/>
-                        <a:t>98.40%</a:t>
-                      </a:r>
-                      <a:endParaRPr lang="en-GB" dirty="0"/>
-                    </a:p>
-                  </a:txBody>
-                  <a:tcPr/>
-                </a:tc>
-                <a:extLst>
-                  <a:ext uri="{0D108BD9-81ED-4DB2-BD59-A6C34878D82A}">
-                    <a16:rowId xmlns:a16="http://schemas.microsoft.com/office/drawing/2014/main" val="3569029191"/>
-                  </a:ext>
-                </a:extLst>
-              </a:tr>
-              <a:tr h="370840">
-                <a:tc>
-                  <a:txBody>
-                    <a:bodyPr/>
-                    <a:lstStyle/>
-                    <a:p>
-                      <a:r>
-                        <a:rPr lang="pl-PL" b="1" dirty="0"/>
-                        <a:t>Historical</a:t>
-                      </a:r>
-                      <a:endParaRPr lang="en-GB" b="1" dirty="0"/>
-                    </a:p>
-                  </a:txBody>
-                  <a:tcPr/>
-                </a:tc>
-                <a:tc>
-                  <a:txBody>
-                    <a:bodyPr/>
-                    <a:lstStyle/>
-                    <a:p>
-                      <a:r>
-                        <a:rPr lang="pl-PL" dirty="0"/>
-                        <a:t>93.31%</a:t>
-                      </a:r>
-                      <a:endParaRPr lang="en-GB" dirty="0"/>
-                    </a:p>
-                  </a:txBody>
-                  <a:tcPr/>
-                </a:tc>
-                <a:extLst>
-                  <a:ext uri="{0D108BD9-81ED-4DB2-BD59-A6C34878D82A}">
-                    <a16:rowId xmlns:a16="http://schemas.microsoft.com/office/drawing/2014/main" val="3829143154"/>
-                  </a:ext>
-                </a:extLst>
-              </a:tr>
-            </a:tbl>
-          </a:graphicData>
-        </a:graphic>
-      </p:graphicFrame>
-      <p:sp>
-        <p:nvSpPr>
-          <p:cNvPr id="3" name="Title 2">
-            <a:extLst>
-              <a:ext uri="{FF2B5EF4-FFF2-40B4-BE49-F238E27FC236}">
-                <a16:creationId xmlns:a16="http://schemas.microsoft.com/office/drawing/2014/main" id="{693D2568-216A-B3B2-6FE8-05CD2140DCFF}"/>
-              </a:ext>
-            </a:extLst>
-          </p:cNvPr>
-          <p:cNvSpPr>
-            <a:spLocks noGrp="1"/>
-          </p:cNvSpPr>
-          <p:nvPr>
-            <p:ph type="title"/>
-          </p:nvPr>
-        </p:nvSpPr>
-        <p:spPr/>
-        <p:txBody>
-          <a:bodyPr/>
-          <a:lstStyle/>
-          <a:p>
-            <a:r>
-              <a:rPr lang="pl-PL" dirty="0"/>
-              <a:t>Results: UPOS-tagging</a:t>
-            </a:r>
-            <a:endParaRPr lang="en-GB" dirty="0"/>
-          </a:p>
-        </p:txBody>
-      </p:sp>
-      <p:pic>
-        <p:nvPicPr>
-          <p:cNvPr id="6" name="Picture 5">
-            <a:extLst>
-              <a:ext uri="{FF2B5EF4-FFF2-40B4-BE49-F238E27FC236}">
-                <a16:creationId xmlns:a16="http://schemas.microsoft.com/office/drawing/2014/main" id="{2504F1D9-0C42-4A7D-6A2A-DECA27A75B01}"/>
-              </a:ext>
-            </a:extLst>
-          </p:cNvPr>
-          <p:cNvPicPr>
-            <a:picLocks noChangeAspect="1"/>
-          </p:cNvPicPr>
-          <p:nvPr/>
-        </p:nvPicPr>
-        <p:blipFill>
-          <a:blip r:embed="rId2"/>
-          <a:stretch>
-            <a:fillRect/>
-          </a:stretch>
-        </p:blipFill>
-        <p:spPr>
-          <a:xfrm>
-            <a:off x="5076056" y="934771"/>
-            <a:ext cx="2431157" cy="3273958"/>
-          </a:xfrm>
-          <a:prstGeom prst="rect">
-            <a:avLst/>
-          </a:prstGeom>
-        </p:spPr>
-      </p:pic>
-    </p:spTree>
-    <p:extLst>
-      <p:ext uri="{BB962C8B-B14F-4D97-AF65-F5344CB8AC3E}">
-        <p14:creationId xmlns:p14="http://schemas.microsoft.com/office/powerpoint/2010/main" val="3543411305"/>
       </p:ext>
     </p:extLst>
   </p:cSld>

--- a/presentation/WSMF_presentation.pptx
+++ b/presentation/WSMF_presentation.pptx
@@ -198,7 +198,7 @@
   <pc:docChgLst>
     <pc:chgData name="Maria Szawerna" userId="27f43607ae8ba673" providerId="LiveId" clId="{C019CBC5-805D-4825-828A-A185BC6996E2}"/>
     <pc:docChg chg="undo custSel addSld delSld modSld sldOrd">
-      <pc:chgData name="Maria Szawerna" userId="27f43607ae8ba673" providerId="LiveId" clId="{C019CBC5-805D-4825-828A-A185BC6996E2}" dt="2023-06-15T21:06:59.931" v="2572" actId="6549"/>
+      <pc:chgData name="Maria Szawerna" userId="27f43607ae8ba673" providerId="LiveId" clId="{C019CBC5-805D-4825-828A-A185BC6996E2}" dt="2023-06-15T21:48:38.969" v="2603" actId="1076"/>
       <pc:docMkLst>
         <pc:docMk/>
       </pc:docMkLst>
@@ -536,7 +536,7 @@
         </pc:sldMkLst>
       </pc:sldChg>
       <pc:sldChg chg="addSp delSp modSp mod">
-        <pc:chgData name="Maria Szawerna" userId="27f43607ae8ba673" providerId="LiveId" clId="{C019CBC5-805D-4825-828A-A185BC6996E2}" dt="2023-06-14T16:16:58.920" v="817" actId="20577"/>
+        <pc:chgData name="Maria Szawerna" userId="27f43607ae8ba673" providerId="LiveId" clId="{C019CBC5-805D-4825-828A-A185BC6996E2}" dt="2023-06-15T21:47:03.373" v="2593" actId="1076"/>
         <pc:sldMkLst>
           <pc:docMk/>
           <pc:sldMk cId="4234474339" sldId="279"/>
@@ -573,20 +573,52 @@
             <ac:picMk id="5" creationId="{2E846553-7846-AB09-CB03-8B22DA541DF4}"/>
           </ac:picMkLst>
         </pc:picChg>
-        <pc:picChg chg="add mod">
-          <ac:chgData name="Maria Szawerna" userId="27f43607ae8ba673" providerId="LiveId" clId="{C019CBC5-805D-4825-828A-A185BC6996E2}" dt="2023-06-14T16:15:01.779" v="729" actId="1076"/>
+        <pc:picChg chg="add del mod">
+          <ac:chgData name="Maria Szawerna" userId="27f43607ae8ba673" providerId="LiveId" clId="{C019CBC5-805D-4825-828A-A185BC6996E2}" dt="2023-06-15T21:46:24.568" v="2582" actId="478"/>
+          <ac:picMkLst>
+            <pc:docMk/>
+            <pc:sldMk cId="4234474339" sldId="279"/>
+            <ac:picMk id="5" creationId="{97FC6058-DD24-D053-AEC1-2E4D64B6A108}"/>
+          </ac:picMkLst>
+        </pc:picChg>
+        <pc:picChg chg="add del mod">
+          <ac:chgData name="Maria Szawerna" userId="27f43607ae8ba673" providerId="LiveId" clId="{C019CBC5-805D-4825-828A-A185BC6996E2}" dt="2023-06-15T21:45:45.085" v="2573" actId="478"/>
           <ac:picMkLst>
             <pc:docMk/>
             <pc:sldMk cId="4234474339" sldId="279"/>
             <ac:picMk id="7" creationId="{E9B5C583-63A5-5FA6-10E0-EC9EABB3176C}"/>
           </ac:picMkLst>
         </pc:picChg>
-        <pc:picChg chg="add mod">
-          <ac:chgData name="Maria Szawerna" userId="27f43607ae8ba673" providerId="LiveId" clId="{C019CBC5-805D-4825-828A-A185BC6996E2}" dt="2023-06-14T16:15:06.787" v="731" actId="1076"/>
+        <pc:picChg chg="add del mod">
+          <ac:chgData name="Maria Szawerna" userId="27f43607ae8ba673" providerId="LiveId" clId="{C019CBC5-805D-4825-828A-A185BC6996E2}" dt="2023-06-15T21:46:25.049" v="2583" actId="478"/>
+          <ac:picMkLst>
+            <pc:docMk/>
+            <pc:sldMk cId="4234474339" sldId="279"/>
+            <ac:picMk id="8" creationId="{632B3E03-65DA-B70F-42F7-AF8A34BD4C33}"/>
+          </ac:picMkLst>
+        </pc:picChg>
+        <pc:picChg chg="add del mod">
+          <ac:chgData name="Maria Szawerna" userId="27f43607ae8ba673" providerId="LiveId" clId="{C019CBC5-805D-4825-828A-A185BC6996E2}" dt="2023-06-15T21:46:01.489" v="2577" actId="478"/>
           <ac:picMkLst>
             <pc:docMk/>
             <pc:sldMk cId="4234474339" sldId="279"/>
             <ac:picMk id="9" creationId="{9E0C1033-F25F-83E1-099A-C6E38CED0C15}"/>
+          </ac:picMkLst>
+        </pc:picChg>
+        <pc:picChg chg="add mod">
+          <ac:chgData name="Maria Szawerna" userId="27f43607ae8ba673" providerId="LiveId" clId="{C019CBC5-805D-4825-828A-A185BC6996E2}" dt="2023-06-15T21:46:59.631" v="2592" actId="1076"/>
+          <ac:picMkLst>
+            <pc:docMk/>
+            <pc:sldMk cId="4234474339" sldId="279"/>
+            <ac:picMk id="11" creationId="{63EA6939-B60D-2558-BE69-4E623DF8EA21}"/>
+          </ac:picMkLst>
+        </pc:picChg>
+        <pc:picChg chg="add mod">
+          <ac:chgData name="Maria Szawerna" userId="27f43607ae8ba673" providerId="LiveId" clId="{C019CBC5-805D-4825-828A-A185BC6996E2}" dt="2023-06-15T21:47:03.373" v="2593" actId="1076"/>
+          <ac:picMkLst>
+            <pc:docMk/>
+            <pc:sldMk cId="4234474339" sldId="279"/>
+            <ac:picMk id="13" creationId="{E3AD382E-D2F7-03D2-9F19-32F6AE506879}"/>
           </ac:picMkLst>
         </pc:picChg>
       </pc:sldChg>
@@ -674,7 +706,7 @@
         </pc:picChg>
       </pc:sldChg>
       <pc:sldChg chg="addSp delSp modSp new mod">
-        <pc:chgData name="Maria Szawerna" userId="27f43607ae8ba673" providerId="LiveId" clId="{C019CBC5-805D-4825-828A-A185BC6996E2}" dt="2023-06-14T16:18:10.058" v="852" actId="1076"/>
+        <pc:chgData name="Maria Szawerna" userId="27f43607ae8ba673" providerId="LiveId" clId="{C019CBC5-805D-4825-828A-A185BC6996E2}" dt="2023-06-15T21:48:23.252" v="2600" actId="1076"/>
         <pc:sldMkLst>
           <pc:docMk/>
           <pc:sldMk cId="3543411305" sldId="285"/>
@@ -703,17 +735,33 @@
             <ac:graphicFrameMk id="4" creationId="{B7CD0EA4-C99C-2AFC-D8E9-C187AEE5C7C0}"/>
           </ac:graphicFrameMkLst>
         </pc:graphicFrameChg>
-        <pc:picChg chg="add mod">
-          <ac:chgData name="Maria Szawerna" userId="27f43607ae8ba673" providerId="LiveId" clId="{C019CBC5-805D-4825-828A-A185BC6996E2}" dt="2023-06-14T16:18:07.187" v="851" actId="1076"/>
+        <pc:picChg chg="add del mod">
+          <ac:chgData name="Maria Szawerna" userId="27f43607ae8ba673" providerId="LiveId" clId="{C019CBC5-805D-4825-828A-A185BC6996E2}" dt="2023-06-15T21:48:09.973" v="2597" actId="478"/>
+          <ac:picMkLst>
+            <pc:docMk/>
+            <pc:sldMk cId="3543411305" sldId="285"/>
+            <ac:picMk id="5" creationId="{E4DFDFD0-2440-6BD3-E2DA-A153C95650A2}"/>
+          </ac:picMkLst>
+        </pc:picChg>
+        <pc:picChg chg="add del mod">
+          <ac:chgData name="Maria Szawerna" userId="27f43607ae8ba673" providerId="LiveId" clId="{C019CBC5-805D-4825-828A-A185BC6996E2}" dt="2023-06-15T21:47:16.670" v="2594" actId="478"/>
           <ac:picMkLst>
             <pc:docMk/>
             <pc:sldMk cId="3543411305" sldId="285"/>
             <ac:picMk id="6" creationId="{2504F1D9-0C42-4A7D-6A2A-DECA27A75B01}"/>
           </ac:picMkLst>
         </pc:picChg>
+        <pc:picChg chg="add mod">
+          <ac:chgData name="Maria Szawerna" userId="27f43607ae8ba673" providerId="LiveId" clId="{C019CBC5-805D-4825-828A-A185BC6996E2}" dt="2023-06-15T21:48:23.252" v="2600" actId="1076"/>
+          <ac:picMkLst>
+            <pc:docMk/>
+            <pc:sldMk cId="3543411305" sldId="285"/>
+            <ac:picMk id="8" creationId="{2430DEBF-985D-AA8E-35FE-B27BB19C475D}"/>
+          </ac:picMkLst>
+        </pc:picChg>
       </pc:sldChg>
       <pc:sldChg chg="addSp delSp modSp add mod">
-        <pc:chgData name="Maria Szawerna" userId="27f43607ae8ba673" providerId="LiveId" clId="{C019CBC5-805D-4825-828A-A185BC6996E2}" dt="2023-06-14T16:19:15.729" v="862" actId="1076"/>
+        <pc:chgData name="Maria Szawerna" userId="27f43607ae8ba673" providerId="LiveId" clId="{C019CBC5-805D-4825-828A-A185BC6996E2}" dt="2023-06-15T21:48:38.969" v="2603" actId="1076"/>
         <pc:sldMkLst>
           <pc:docMk/>
           <pc:sldMk cId="2153536721" sldId="286"/>
@@ -734,8 +782,8 @@
             <ac:graphicFrameMk id="4" creationId="{B7CD0EA4-C99C-2AFC-D8E9-C187AEE5C7C0}"/>
           </ac:graphicFrameMkLst>
         </pc:graphicFrameChg>
-        <pc:picChg chg="add mod">
-          <ac:chgData name="Maria Szawerna" userId="27f43607ae8ba673" providerId="LiveId" clId="{C019CBC5-805D-4825-828A-A185BC6996E2}" dt="2023-06-14T16:19:15.729" v="862" actId="1076"/>
+        <pc:picChg chg="add del mod">
+          <ac:chgData name="Maria Szawerna" userId="27f43607ae8ba673" providerId="LiveId" clId="{C019CBC5-805D-4825-828A-A185BC6996E2}" dt="2023-06-15T21:48:24.993" v="2601" actId="478"/>
           <ac:picMkLst>
             <pc:docMk/>
             <pc:sldMk cId="2153536721" sldId="286"/>
@@ -748,6 +796,14 @@
             <pc:docMk/>
             <pc:sldMk cId="2153536721" sldId="286"/>
             <ac:picMk id="6" creationId="{2504F1D9-0C42-4A7D-6A2A-DECA27A75B01}"/>
+          </ac:picMkLst>
+        </pc:picChg>
+        <pc:picChg chg="add mod">
+          <ac:chgData name="Maria Szawerna" userId="27f43607ae8ba673" providerId="LiveId" clId="{C019CBC5-805D-4825-828A-A185BC6996E2}" dt="2023-06-15T21:48:38.969" v="2603" actId="1076"/>
+          <ac:picMkLst>
+            <pc:docMk/>
+            <pc:sldMk cId="2153536721" sldId="286"/>
+            <ac:picMk id="6" creationId="{748969A8-CF85-2F70-DA9F-02EC0D50A3B2}"/>
           </ac:picMkLst>
         </pc:picChg>
       </pc:sldChg>
@@ -2605,7 +2661,7 @@
               <a:pPr>
                 <a:defRPr/>
               </a:pPr>
-              <a:t>2023-06-14</a:t>
+              <a:t>2023-06-15</a:t>
             </a:fld>
             <a:endParaRPr lang="sv-SE"/>
           </a:p>
@@ -3081,7 +3137,7 @@
           <a:p>
             <a:fld id="{C922E020-A8BF-9B47-B6A2-FA3A968CAF5D}" type="datetime1">
               <a:rPr lang="sv-SE" smtClean="0"/>
-              <a:t>2023-06-14</a:t>
+              <a:t>2023-06-15</a:t>
             </a:fld>
             <a:endParaRPr lang="sv-SE" dirty="0"/>
           </a:p>
@@ -3953,7 +4009,7 @@
           <a:p>
             <a:fld id="{577D3F9A-FC57-E34B-B285-3C3C3646CB63}" type="datetime1">
               <a:rPr lang="sv-SE" smtClean="0"/>
-              <a:t>2023-06-14</a:t>
+              <a:t>2023-06-15</a:t>
             </a:fld>
             <a:endParaRPr lang="sv-SE"/>
           </a:p>
@@ -4971,7 +5027,7 @@
           <a:p>
             <a:fld id="{7B9649B3-C16A-9B46-BA6A-8258496FEBEB}" type="datetime1">
               <a:rPr lang="sv-SE" smtClean="0"/>
-              <a:t>2023-06-14</a:t>
+              <a:t>2023-06-15</a:t>
             </a:fld>
             <a:endParaRPr lang="sv-SE"/>
           </a:p>
@@ -5720,7 +5776,7 @@
           <a:p>
             <a:fld id="{566C9844-8BE9-5E4E-A8F8-6A100F60BBC2}" type="datetime1">
               <a:rPr lang="sv-SE" smtClean="0"/>
-              <a:t>2023-06-14</a:t>
+              <a:t>2023-06-15</a:t>
             </a:fld>
             <a:endParaRPr lang="sv-SE"/>
           </a:p>
@@ -6130,7 +6186,7 @@
           <a:p>
             <a:fld id="{717AAC68-0F3E-2C45-BAC8-81C66DCEA573}" type="datetime1">
               <a:rPr lang="sv-SE" smtClean="0"/>
-              <a:t>2023-06-14</a:t>
+              <a:t>2023-06-15</a:t>
             </a:fld>
             <a:endParaRPr lang="sv-SE"/>
           </a:p>
@@ -6672,7 +6728,7 @@
           <a:p>
             <a:fld id="{3052F27A-3B4B-E149-8FA5-75481FE0731C}" type="datetime1">
               <a:rPr lang="sv-SE" smtClean="0"/>
-              <a:t>2023-06-14</a:t>
+              <a:t>2023-06-15</a:t>
             </a:fld>
             <a:endParaRPr lang="sv-SE"/>
           </a:p>
@@ -7388,7 +7444,7 @@
           <a:p>
             <a:fld id="{3249500D-6D6D-044F-9259-0788F7CED139}" type="datetime1">
               <a:rPr lang="sv-SE" smtClean="0"/>
-              <a:t>2023-06-14</a:t>
+              <a:t>2023-06-15</a:t>
             </a:fld>
             <a:endParaRPr lang="sv-SE"/>
           </a:p>
@@ -7694,7 +7750,7 @@
           <a:p>
             <a:fld id="{3D813F4A-5405-BA41-BA1D-4CB14AC4ACE6}" type="datetime1">
               <a:rPr lang="sv-SE" smtClean="0"/>
-              <a:t>2023-06-14</a:t>
+              <a:t>2023-06-15</a:t>
             </a:fld>
             <a:endParaRPr lang="sv-SE"/>
           </a:p>
@@ -8706,7 +8762,7 @@
           <a:p>
             <a:fld id="{064E951B-FBEA-DB4E-8E99-F727190E939E}" type="datetime1">
               <a:rPr lang="sv-SE" smtClean="0"/>
-              <a:t>2023-06-14</a:t>
+              <a:t>2023-06-15</a:t>
             </a:fld>
             <a:endParaRPr lang="sv-SE"/>
           </a:p>
@@ -9449,7 +9505,7 @@
           <a:p>
             <a:fld id="{661197F1-F4E8-2242-83BD-B938E4535D90}" type="datetime1">
               <a:rPr lang="sv-SE" smtClean="0"/>
-              <a:t>2023-06-14</a:t>
+              <a:t>2023-06-15</a:t>
             </a:fld>
             <a:endParaRPr lang="sv-SE"/>
           </a:p>
@@ -10155,7 +10211,7 @@
           <a:p>
             <a:fld id="{549C74F6-D3C4-3743-8699-E0883D9E9D5C}" type="datetime1">
               <a:rPr lang="sv-SE" smtClean="0"/>
-              <a:t>2023-06-14</a:t>
+              <a:t>2023-06-15</a:t>
             </a:fld>
             <a:endParaRPr lang="sv-SE"/>
           </a:p>
@@ -10538,7 +10594,7 @@
           <a:p>
             <a:fld id="{B4F4F342-875D-DD47-B730-0C3125B9BD97}" type="datetime1">
               <a:rPr lang="sv-SE" smtClean="0"/>
-              <a:t>2023-06-14</a:t>
+              <a:t>2023-06-15</a:t>
             </a:fld>
             <a:endParaRPr lang="sv-SE"/>
           </a:p>
@@ -10794,7 +10850,7 @@
           <a:p>
             <a:fld id="{D4059DC6-679E-AC41-8A01-1D4382022CD7}" type="datetime1">
               <a:rPr lang="sv-SE" smtClean="0"/>
-              <a:t>2023-06-14</a:t>
+              <a:t>2023-06-15</a:t>
             </a:fld>
             <a:endParaRPr lang="sv-SE"/>
           </a:p>
@@ -11042,7 +11098,7 @@
           <a:p>
             <a:fld id="{E32ACA5E-12FE-8C45-B036-4C957D2FAF38}" type="datetime1">
               <a:rPr lang="sv-SE" smtClean="0"/>
-              <a:t>2023-06-14</a:t>
+              <a:t>2023-06-15</a:t>
             </a:fld>
             <a:endParaRPr lang="sv-SE"/>
           </a:p>
@@ -11372,7 +11428,7 @@
           <a:p>
             <a:fld id="{5C08D42E-2DD0-7548-A575-233516061C19}" type="datetime1">
               <a:rPr lang="sv-SE" smtClean="0"/>
-              <a:t>2023-06-14</a:t>
+              <a:t>2023-06-15</a:t>
             </a:fld>
             <a:endParaRPr lang="sv-SE"/>
           </a:p>
@@ -11747,7 +11803,7 @@
           <a:p>
             <a:fld id="{CC648B2A-5053-F640-9D25-6118D5149AD4}" type="datetime1">
               <a:rPr lang="sv-SE" smtClean="0"/>
-              <a:t>2023-06-14</a:t>
+              <a:t>2023-06-15</a:t>
             </a:fld>
             <a:endParaRPr lang="sv-SE"/>
           </a:p>
@@ -12093,7 +12149,7 @@
           <a:p>
             <a:fld id="{EF3762ED-625B-BC46-82C0-2C3968E94D6B}" type="datetime1">
               <a:rPr lang="sv-SE" smtClean="0"/>
-              <a:t>2023-06-14</a:t>
+              <a:t>2023-06-15</a:t>
             </a:fld>
             <a:endParaRPr lang="sv-SE"/>
           </a:p>
@@ -12478,7 +12534,7 @@
           <a:p>
             <a:fld id="{C787144E-8AE6-DB43-B7E3-17474DE4012C}" type="datetime1">
               <a:rPr lang="sv-SE" smtClean="0"/>
-              <a:t>2023-06-14</a:t>
+              <a:t>2023-06-15</a:t>
             </a:fld>
             <a:endParaRPr lang="sv-SE"/>
           </a:p>
@@ -13185,7 +13241,7 @@
           <a:p>
             <a:fld id="{5F259999-45B3-A64A-A424-D3243F02FD06}" type="datetime1">
               <a:rPr lang="sv-SE" smtClean="0"/>
-              <a:t>2023-06-14</a:t>
+              <a:t>2023-06-15</a:t>
             </a:fld>
             <a:endParaRPr lang="sv-SE"/>
           </a:p>
@@ -13601,7 +13657,7 @@
           <a:p>
             <a:fld id="{E1AAC07F-25D7-674F-953E-3D7306566A9B}" type="datetime1">
               <a:rPr lang="sv-SE" smtClean="0"/>
-              <a:t>2023-06-14</a:t>
+              <a:t>2023-06-15</a:t>
             </a:fld>
             <a:endParaRPr lang="sv-SE"/>
           </a:p>
@@ -13992,7 +14048,7 @@
           <a:p>
             <a:fld id="{43D3B874-423B-BF44-ABCB-A615E25435AE}" type="datetime1">
               <a:rPr lang="sv-SE" smtClean="0"/>
-              <a:t>2023-06-14</a:t>
+              <a:t>2023-06-15</a:t>
             </a:fld>
             <a:endParaRPr lang="sv-SE"/>
           </a:p>
@@ -14830,7 +14886,7 @@
           <a:p>
             <a:fld id="{9FE703E2-B9A3-B74F-A652-AA85B95F5211}" type="datetime1">
               <a:rPr lang="sv-SE" smtClean="0"/>
-              <a:t>2023-06-14</a:t>
+              <a:t>2023-06-15</a:t>
             </a:fld>
             <a:endParaRPr lang="sv-SE"/>
           </a:p>
@@ -15175,7 +15231,7 @@
           <a:p>
             <a:fld id="{BF4D4D47-04B3-1C49-A3B6-252C604E63F8}" type="datetime1">
               <a:rPr lang="sv-SE" smtClean="0"/>
-              <a:t>2023-06-14</a:t>
+              <a:t>2023-06-15</a:t>
             </a:fld>
             <a:endParaRPr lang="sv-SE"/>
           </a:p>
@@ -16193,7 +16249,7 @@
           <a:p>
             <a:fld id="{C0651EE3-77EC-1047-8FB1-12705D656675}" type="datetime1">
               <a:rPr lang="sv-SE" smtClean="0"/>
-              <a:t>2023-06-14</a:t>
+              <a:t>2023-06-15</a:t>
             </a:fld>
             <a:endParaRPr lang="sv-SE"/>
           </a:p>
@@ -16942,7 +16998,7 @@
           <a:p>
             <a:fld id="{EF3F49D8-F214-E148-9402-3CFAA36AC7B8}" type="datetime1">
               <a:rPr lang="sv-SE" smtClean="0"/>
-              <a:t>2023-06-14</a:t>
+              <a:t>2023-06-15</a:t>
             </a:fld>
             <a:endParaRPr lang="sv-SE"/>
           </a:p>
@@ -17352,7 +17408,7 @@
           <a:p>
             <a:fld id="{4DE8FBFC-78AA-4342-82AA-23C3B74ECB24}" type="datetime1">
               <a:rPr lang="sv-SE" smtClean="0"/>
-              <a:t>2023-06-14</a:t>
+              <a:t>2023-06-15</a:t>
             </a:fld>
             <a:endParaRPr lang="sv-SE"/>
           </a:p>
@@ -17894,7 +17950,7 @@
           <a:p>
             <a:fld id="{5AE0BA73-853B-8946-B2A8-00F700A249EA}" type="datetime1">
               <a:rPr lang="sv-SE" smtClean="0"/>
-              <a:t>2023-06-14</a:t>
+              <a:t>2023-06-15</a:t>
             </a:fld>
             <a:endParaRPr lang="sv-SE"/>
           </a:p>
@@ -18610,7 +18666,7 @@
           <a:p>
             <a:fld id="{AAD65681-91B1-3940-9928-2D58F6D4469A}" type="datetime1">
               <a:rPr lang="sv-SE" smtClean="0"/>
-              <a:t>2023-06-14</a:t>
+              <a:t>2023-06-15</a:t>
             </a:fld>
             <a:endParaRPr lang="sv-SE"/>
           </a:p>
@@ -18916,7 +18972,7 @@
           <a:p>
             <a:fld id="{CF3B39E0-F930-1943-A4E0-E09ADB6A18D1}" type="datetime1">
               <a:rPr lang="sv-SE" smtClean="0"/>
-              <a:t>2023-06-14</a:t>
+              <a:t>2023-06-15</a:t>
             </a:fld>
             <a:endParaRPr lang="sv-SE"/>
           </a:p>
@@ -19928,7 +19984,7 @@
           <a:p>
             <a:fld id="{1F86ECDB-841B-C449-85EA-22891B65F6BE}" type="datetime1">
               <a:rPr lang="sv-SE" smtClean="0"/>
-              <a:t>2023-06-14</a:t>
+              <a:t>2023-06-15</a:t>
             </a:fld>
             <a:endParaRPr lang="sv-SE"/>
           </a:p>
@@ -20671,7 +20727,7 @@
           <a:p>
             <a:fld id="{A8BE3399-1768-8245-9E3C-96C216FE30C1}" type="datetime1">
               <a:rPr lang="sv-SE" smtClean="0"/>
-              <a:t>2023-06-14</a:t>
+              <a:t>2023-06-15</a:t>
             </a:fld>
             <a:endParaRPr lang="sv-SE"/>
           </a:p>
@@ -21377,7 +21433,7 @@
           <a:p>
             <a:fld id="{DDBC4D43-4682-1B43-A65B-E350B38438ED}" type="datetime1">
               <a:rPr lang="sv-SE" smtClean="0"/>
-              <a:t>2023-06-14</a:t>
+              <a:t>2023-06-15</a:t>
             </a:fld>
             <a:endParaRPr lang="sv-SE"/>
           </a:p>
@@ -21580,7 +21636,7 @@
           <a:p>
             <a:fld id="{7413A95E-57EE-894D-8DC6-43AEC4E240E6}" type="datetime1">
               <a:rPr lang="sv-SE" smtClean="0"/>
-              <a:t>2023-06-14</a:t>
+              <a:t>2023-06-15</a:t>
             </a:fld>
             <a:endParaRPr lang="sv-SE"/>
           </a:p>
@@ -22024,7 +22080,7 @@
           <a:p>
             <a:fld id="{DC6E5490-323D-B840-8352-38DCD54A4866}" type="datetime1">
               <a:rPr lang="sv-SE" smtClean="0"/>
-              <a:t>2023-06-14</a:t>
+              <a:t>2023-06-15</a:t>
             </a:fld>
             <a:endParaRPr lang="sv-SE"/>
           </a:p>
@@ -22272,7 +22328,7 @@
           <a:p>
             <a:fld id="{FA0B1452-1D30-5549-AF8B-C910C7DA6FB8}" type="datetime1">
               <a:rPr lang="sv-SE" smtClean="0"/>
-              <a:t>2023-06-14</a:t>
+              <a:t>2023-06-15</a:t>
             </a:fld>
             <a:endParaRPr lang="sv-SE"/>
           </a:p>
@@ -22651,7 +22707,7 @@
           <a:p>
             <a:fld id="{9DB172C3-0FF2-5642-9E9D-0BAD562C936A}" type="datetime1">
               <a:rPr lang="sv-SE" smtClean="0"/>
-              <a:t>2023-06-14</a:t>
+              <a:t>2023-06-15</a:t>
             </a:fld>
             <a:endParaRPr lang="sv-SE"/>
           </a:p>
@@ -23036,7 +23092,7 @@
           <a:p>
             <a:fld id="{29B42524-F923-A442-9664-1F6245B60D39}" type="datetime1">
               <a:rPr lang="sv-SE" smtClean="0"/>
-              <a:t>2023-06-14</a:t>
+              <a:t>2023-06-15</a:t>
             </a:fld>
             <a:endParaRPr lang="sv-SE"/>
           </a:p>
@@ -23743,7 +23799,7 @@
           <a:p>
             <a:fld id="{02A0E06B-4F7C-A040-8DFF-9484F0E95582}" type="datetime1">
               <a:rPr lang="sv-SE" smtClean="0"/>
-              <a:t>2023-06-14</a:t>
+              <a:t>2023-06-15</a:t>
             </a:fld>
             <a:endParaRPr lang="sv-SE"/>
           </a:p>
@@ -24159,7 +24215,7 @@
           <a:p>
             <a:fld id="{99DD45B8-08D5-3D4D-A566-3C630D93D106}" type="datetime1">
               <a:rPr lang="sv-SE" smtClean="0"/>
-              <a:t>2023-06-14</a:t>
+              <a:t>2023-06-15</a:t>
             </a:fld>
             <a:endParaRPr lang="sv-SE"/>
           </a:p>
@@ -24550,7 +24606,7 @@
           <a:p>
             <a:fld id="{2D439353-22B2-B34B-B6B0-B4DD46C2691B}" type="datetime1">
               <a:rPr lang="sv-SE" smtClean="0"/>
-              <a:t>2023-06-14</a:t>
+              <a:t>2023-06-15</a:t>
             </a:fld>
             <a:endParaRPr lang="sv-SE"/>
           </a:p>
@@ -24992,7 +25048,7 @@
               </a14:hiddenLine>
             </a:ext>
             <a:ext uri="{FAA26D3D-D897-4be2-8F04-BA451C77F1D7}">
-              <ma14:placeholderFlag xmlns:ma14="http://schemas.microsoft.com/office/mac/drawingml/2011/main" xmlns="" val="1"/>
+              <ma14:placeholderFlag xmlns="" xmlns:ma14="http://schemas.microsoft.com/office/mac/drawingml/2011/main" val="1"/>
             </a:ext>
           </a:extLst>
         </p:spPr>
@@ -25115,7 +25171,7 @@
           <a:p>
             <a:fld id="{C6095C30-6B94-8142-BEB7-475E82B75C11}" type="datetime1">
               <a:rPr lang="sv-SE" smtClean="0"/>
-              <a:t>2023-06-14</a:t>
+              <a:t>2023-06-15</a:t>
             </a:fld>
             <a:endParaRPr lang="sv-SE" dirty="0"/>
           </a:p>
@@ -26030,7 +26086,7 @@
               </a14:hiddenLine>
             </a:ext>
             <a:ext uri="{FAA26D3D-D897-4be2-8F04-BA451C77F1D7}">
-              <ma14:placeholderFlag xmlns:ma14="http://schemas.microsoft.com/office/mac/drawingml/2011/main" xmlns="" val="1"/>
+              <ma14:placeholderFlag xmlns="" xmlns:ma14="http://schemas.microsoft.com/office/mac/drawingml/2011/main" val="1"/>
             </a:ext>
           </a:extLst>
         </p:spPr>
@@ -26153,7 +26209,7 @@
           <a:p>
             <a:fld id="{B51044B8-23DA-6946-8D9E-2E15B85429F0}" type="datetime1">
               <a:rPr lang="sv-SE" smtClean="0"/>
-              <a:t>2023-06-14</a:t>
+              <a:t>2023-06-15</a:t>
             </a:fld>
             <a:endParaRPr lang="sv-SE" dirty="0"/>
           </a:p>
@@ -27171,10 +27227,10 @@
       </p:sp>
       <p:pic>
         <p:nvPicPr>
-          <p:cNvPr id="6" name="Picture 5">
+          <p:cNvPr id="8" name="Picture 7">
             <a:extLst>
               <a:ext uri="{FF2B5EF4-FFF2-40B4-BE49-F238E27FC236}">
-                <a16:creationId xmlns:a16="http://schemas.microsoft.com/office/drawing/2014/main" id="{2504F1D9-0C42-4A7D-6A2A-DECA27A75B01}"/>
+                <a16:creationId xmlns:a16="http://schemas.microsoft.com/office/drawing/2014/main" id="{2430DEBF-985D-AA8E-35FE-B27BB19C475D}"/>
               </a:ext>
             </a:extLst>
           </p:cNvPr>
@@ -27191,8 +27247,8 @@
         </p:blipFill>
         <p:spPr>
           <a:xfrm>
-            <a:off x="5076056" y="934771"/>
-            <a:ext cx="2431157" cy="3273958"/>
+            <a:off x="5294975" y="1128712"/>
+            <a:ext cx="2124075" cy="2886075"/>
           </a:xfrm>
           <a:prstGeom prst="rect">
             <a:avLst/>
@@ -27422,10 +27478,10 @@
       </p:sp>
       <p:pic>
         <p:nvPicPr>
-          <p:cNvPr id="5" name="Picture 4">
+          <p:cNvPr id="6" name="Picture 5">
             <a:extLst>
               <a:ext uri="{FF2B5EF4-FFF2-40B4-BE49-F238E27FC236}">
-                <a16:creationId xmlns:a16="http://schemas.microsoft.com/office/drawing/2014/main" id="{C3A936A7-F675-89D5-7FA3-0A5F560EA08D}"/>
+                <a16:creationId xmlns:a16="http://schemas.microsoft.com/office/drawing/2014/main" id="{748969A8-CF85-2F70-DA9F-02EC0D50A3B2}"/>
               </a:ext>
             </a:extLst>
           </p:cNvPr>
@@ -27442,8 +27498,8 @@
         </p:blipFill>
         <p:spPr>
           <a:xfrm>
-            <a:off x="5076056" y="628388"/>
-            <a:ext cx="2444874" cy="3886723"/>
+            <a:off x="5076056" y="966787"/>
+            <a:ext cx="2324100" cy="3209925"/>
           </a:xfrm>
           <a:prstGeom prst="rect">
             <a:avLst/>
@@ -35107,10 +35163,10 @@
       </p:sp>
       <p:pic>
         <p:nvPicPr>
-          <p:cNvPr id="7" name="Picture 6">
+          <p:cNvPr id="11" name="Picture 10">
             <a:extLst>
               <a:ext uri="{FF2B5EF4-FFF2-40B4-BE49-F238E27FC236}">
-                <a16:creationId xmlns:a16="http://schemas.microsoft.com/office/drawing/2014/main" id="{E9B5C583-63A5-5FA6-10E0-EC9EABB3176C}"/>
+                <a16:creationId xmlns:a16="http://schemas.microsoft.com/office/drawing/2014/main" id="{63EA6939-B60D-2558-BE69-4E623DF8EA21}"/>
               </a:ext>
             </a:extLst>
           </p:cNvPr>
@@ -35127,8 +35183,8 @@
         </p:blipFill>
         <p:spPr>
           <a:xfrm>
-            <a:off x="4860032" y="1293876"/>
-            <a:ext cx="1733962" cy="2565637"/>
+            <a:off x="4831372" y="1134744"/>
+            <a:ext cx="1952985" cy="2877166"/>
           </a:xfrm>
           <a:prstGeom prst="rect">
             <a:avLst/>
@@ -35137,10 +35193,10 @@
       </p:pic>
       <p:pic>
         <p:nvPicPr>
-          <p:cNvPr id="9" name="Picture 8">
+          <p:cNvPr id="13" name="Picture 12">
             <a:extLst>
               <a:ext uri="{FF2B5EF4-FFF2-40B4-BE49-F238E27FC236}">
-                <a16:creationId xmlns:a16="http://schemas.microsoft.com/office/drawing/2014/main" id="{9E0C1033-F25F-83E1-099A-C6E38CED0C15}"/>
+                <a16:creationId xmlns:a16="http://schemas.microsoft.com/office/drawing/2014/main" id="{E3AD382E-D2F7-03D2-9F19-32F6AE506879}"/>
               </a:ext>
             </a:extLst>
           </p:cNvPr>
@@ -35157,8 +35213,8 @@
         </p:blipFill>
         <p:spPr>
           <a:xfrm>
-            <a:off x="6721024" y="1293876"/>
-            <a:ext cx="1911814" cy="2565638"/>
+            <a:off x="6876256" y="1134744"/>
+            <a:ext cx="2122958" cy="2877167"/>
           </a:xfrm>
           <a:prstGeom prst="rect">
             <a:avLst/>
